--- a/Figures/exp_design.pptx
+++ b/Figures/exp_design.pptx
@@ -8,6 +8,7 @@
     <p:sldId id="256" r:id="rId2"/>
     <p:sldId id="258" r:id="rId3"/>
     <p:sldId id="257" r:id="rId4"/>
+    <p:sldId id="259" r:id="rId5"/>
   </p:sldIdLst>
   <p:sldSz cx="6858000" cy="9144000" type="letter"/>
   <p:notesSz cx="6858000" cy="9144000"/>
@@ -245,7 +246,7 @@
           <a:p>
             <a:fld id="{2767F84D-6459-024A-9732-8383C68DD3CF}" type="datetimeFigureOut">
               <a:rPr lang="en-US" smtClean="0"/>
-              <a:t>5/30/18</a:t>
+              <a:t>5/31/18</a:t>
             </a:fld>
             <a:endParaRPr lang="en-US"/>
           </a:p>
@@ -415,7 +416,7 @@
           <a:p>
             <a:fld id="{2767F84D-6459-024A-9732-8383C68DD3CF}" type="datetimeFigureOut">
               <a:rPr lang="en-US" smtClean="0"/>
-              <a:t>5/30/18</a:t>
+              <a:t>5/31/18</a:t>
             </a:fld>
             <a:endParaRPr lang="en-US"/>
           </a:p>
@@ -595,7 +596,7 @@
           <a:p>
             <a:fld id="{2767F84D-6459-024A-9732-8383C68DD3CF}" type="datetimeFigureOut">
               <a:rPr lang="en-US" smtClean="0"/>
-              <a:t>5/30/18</a:t>
+              <a:t>5/31/18</a:t>
             </a:fld>
             <a:endParaRPr lang="en-US"/>
           </a:p>
@@ -765,7 +766,7 @@
           <a:p>
             <a:fld id="{2767F84D-6459-024A-9732-8383C68DD3CF}" type="datetimeFigureOut">
               <a:rPr lang="en-US" smtClean="0"/>
-              <a:t>5/30/18</a:t>
+              <a:t>5/31/18</a:t>
             </a:fld>
             <a:endParaRPr lang="en-US"/>
           </a:p>
@@ -1009,7 +1010,7 @@
           <a:p>
             <a:fld id="{2767F84D-6459-024A-9732-8383C68DD3CF}" type="datetimeFigureOut">
               <a:rPr lang="en-US" smtClean="0"/>
-              <a:t>5/30/18</a:t>
+              <a:t>5/31/18</a:t>
             </a:fld>
             <a:endParaRPr lang="en-US"/>
           </a:p>
@@ -1241,7 +1242,7 @@
           <a:p>
             <a:fld id="{2767F84D-6459-024A-9732-8383C68DD3CF}" type="datetimeFigureOut">
               <a:rPr lang="en-US" smtClean="0"/>
-              <a:t>5/30/18</a:t>
+              <a:t>5/31/18</a:t>
             </a:fld>
             <a:endParaRPr lang="en-US"/>
           </a:p>
@@ -1608,7 +1609,7 @@
           <a:p>
             <a:fld id="{2767F84D-6459-024A-9732-8383C68DD3CF}" type="datetimeFigureOut">
               <a:rPr lang="en-US" smtClean="0"/>
-              <a:t>5/30/18</a:t>
+              <a:t>5/31/18</a:t>
             </a:fld>
             <a:endParaRPr lang="en-US"/>
           </a:p>
@@ -1726,7 +1727,7 @@
           <a:p>
             <a:fld id="{2767F84D-6459-024A-9732-8383C68DD3CF}" type="datetimeFigureOut">
               <a:rPr lang="en-US" smtClean="0"/>
-              <a:t>5/30/18</a:t>
+              <a:t>5/31/18</a:t>
             </a:fld>
             <a:endParaRPr lang="en-US"/>
           </a:p>
@@ -1821,7 +1822,7 @@
           <a:p>
             <a:fld id="{2767F84D-6459-024A-9732-8383C68DD3CF}" type="datetimeFigureOut">
               <a:rPr lang="en-US" smtClean="0"/>
-              <a:t>5/30/18</a:t>
+              <a:t>5/31/18</a:t>
             </a:fld>
             <a:endParaRPr lang="en-US"/>
           </a:p>
@@ -2098,7 +2099,7 @@
           <a:p>
             <a:fld id="{2767F84D-6459-024A-9732-8383C68DD3CF}" type="datetimeFigureOut">
               <a:rPr lang="en-US" smtClean="0"/>
-              <a:t>5/30/18</a:t>
+              <a:t>5/31/18</a:t>
             </a:fld>
             <a:endParaRPr lang="en-US"/>
           </a:p>
@@ -2355,7 +2356,7 @@
           <a:p>
             <a:fld id="{2767F84D-6459-024A-9732-8383C68DD3CF}" type="datetimeFigureOut">
               <a:rPr lang="en-US" smtClean="0"/>
-              <a:t>5/30/18</a:t>
+              <a:t>5/31/18</a:t>
             </a:fld>
             <a:endParaRPr lang="en-US"/>
           </a:p>
@@ -2568,7 +2569,7 @@
           <a:p>
             <a:fld id="{2767F84D-6459-024A-9732-8383C68DD3CF}" type="datetimeFigureOut">
               <a:rPr lang="en-US" smtClean="0"/>
-              <a:t>5/30/18</a:t>
+              <a:t>5/31/18</a:t>
             </a:fld>
             <a:endParaRPr lang="en-US"/>
           </a:p>
@@ -6296,6 +6297,4924 @@
 </p:sld>
 </file>
 
+<file path=ppt/slides/slide4.xml><?xml version="1.0" encoding="utf-8"?>
+<p:sld xmlns:a="http://schemas.openxmlformats.org/drawingml/2006/main" xmlns:r="http://schemas.openxmlformats.org/officeDocument/2006/relationships" xmlns:p="http://schemas.openxmlformats.org/presentationml/2006/main">
+  <p:cSld>
+    <p:spTree>
+      <p:nvGrpSpPr>
+        <p:cNvPr id="1" name=""/>
+        <p:cNvGrpSpPr/>
+        <p:nvPr/>
+      </p:nvGrpSpPr>
+      <p:grpSpPr>
+        <a:xfrm>
+          <a:off x="0" y="0"/>
+          <a:ext cx="0" cy="0"/>
+          <a:chOff x="0" y="0"/>
+          <a:chExt cx="0" cy="0"/>
+        </a:xfrm>
+      </p:grpSpPr>
+      <p:sp>
+        <p:nvSpPr>
+          <p:cNvPr id="101" name="TextBox 100">
+            <a:extLst>
+              <a:ext uri="{FF2B5EF4-FFF2-40B4-BE49-F238E27FC236}">
+                <a16:creationId xmlns:a16="http://schemas.microsoft.com/office/drawing/2014/main" id="{014BBF96-83AA-2447-B9C3-0771CFF0999F}"/>
+              </a:ext>
+            </a:extLst>
+          </p:cNvPr>
+          <p:cNvSpPr txBox="1"/>
+          <p:nvPr/>
+        </p:nvSpPr>
+        <p:spPr>
+          <a:xfrm>
+            <a:off x="3848086" y="4334765"/>
+            <a:ext cx="1033331" cy="338554"/>
+          </a:xfrm>
+          <a:prstGeom prst="rect">
+            <a:avLst/>
+          </a:prstGeom>
+          <a:noFill/>
+        </p:spPr>
+        <p:txBody>
+          <a:bodyPr wrap="square" rtlCol="0">
+            <a:spAutoFit/>
+          </a:bodyPr>
+          <a:lstStyle/>
+          <a:p>
+            <a:r>
+              <a:rPr lang="en-US" sz="1400" dirty="0">
+                <a:latin typeface="Arial" panose="020B0604020202020204" pitchFamily="34" charset="0"/>
+                <a:cs typeface="Arial" panose="020B0604020202020204" pitchFamily="34" charset="0"/>
+              </a:rPr>
+              <a:t>. . . . </a:t>
+            </a:r>
+            <a:r>
+              <a:rPr lang="en-US" sz="1600" dirty="0">
+                <a:latin typeface="Arial" panose="020B0604020202020204" pitchFamily="34" charset="0"/>
+                <a:ea typeface="Arial" charset="0"/>
+                <a:cs typeface="Arial" panose="020B0604020202020204" pitchFamily="34" charset="0"/>
+              </a:rPr>
+              <a:t>♀</a:t>
+            </a:r>
+            <a:r>
+              <a:rPr lang="en-US" sz="1400" baseline="-25000" dirty="0">
+                <a:latin typeface="Arial" panose="020B0604020202020204" pitchFamily="34" charset="0"/>
+                <a:ea typeface="Arial" charset="0"/>
+                <a:cs typeface="Arial" panose="020B0604020202020204" pitchFamily="34" charset="0"/>
+              </a:rPr>
+              <a:t>79</a:t>
+            </a:r>
+          </a:p>
+        </p:txBody>
+      </p:sp>
+      <p:sp>
+        <p:nvSpPr>
+          <p:cNvPr id="98" name="Rectangle 97">
+            <a:extLst>
+              <a:ext uri="{FF2B5EF4-FFF2-40B4-BE49-F238E27FC236}">
+                <a16:creationId xmlns:a16="http://schemas.microsoft.com/office/drawing/2014/main" id="{9E1253C0-F329-3743-AA76-67521EA84DCA}"/>
+              </a:ext>
+            </a:extLst>
+          </p:cNvPr>
+          <p:cNvSpPr/>
+          <p:nvPr/>
+        </p:nvSpPr>
+        <p:spPr>
+          <a:xfrm>
+            <a:off x="141403" y="1206631"/>
+            <a:ext cx="4740016" cy="5467546"/>
+          </a:xfrm>
+          <a:prstGeom prst="rect">
+            <a:avLst/>
+          </a:prstGeom>
+          <a:noFill/>
+          <a:ln>
+            <a:solidFill>
+              <a:schemeClr val="bg2">
+                <a:lumMod val="75000"/>
+              </a:schemeClr>
+            </a:solidFill>
+          </a:ln>
+        </p:spPr>
+        <p:style>
+          <a:lnRef idx="2">
+            <a:schemeClr val="accent1">
+              <a:shade val="50000"/>
+            </a:schemeClr>
+          </a:lnRef>
+          <a:fillRef idx="1">
+            <a:schemeClr val="accent1"/>
+          </a:fillRef>
+          <a:effectRef idx="0">
+            <a:schemeClr val="accent1"/>
+          </a:effectRef>
+          <a:fontRef idx="minor">
+            <a:schemeClr val="lt1"/>
+          </a:fontRef>
+        </p:style>
+        <p:txBody>
+          <a:bodyPr rtlCol="0" anchor="ctr"/>
+          <a:lstStyle/>
+          <a:p>
+            <a:pPr algn="ctr"/>
+            <a:endParaRPr lang="en-US">
+              <a:latin typeface="Arial" panose="020B0604020202020204" pitchFamily="34" charset="0"/>
+              <a:cs typeface="Arial" panose="020B0604020202020204" pitchFamily="34" charset="0"/>
+            </a:endParaRPr>
+          </a:p>
+        </p:txBody>
+      </p:sp>
+      <p:cxnSp>
+        <p:nvCxnSpPr>
+          <p:cNvPr id="75" name="Straight Connector 74">
+            <a:extLst>
+              <a:ext uri="{FF2B5EF4-FFF2-40B4-BE49-F238E27FC236}">
+                <a16:creationId xmlns:a16="http://schemas.microsoft.com/office/drawing/2014/main" id="{76A4BBD4-4974-BA42-A78C-B579701AA389}"/>
+              </a:ext>
+            </a:extLst>
+          </p:cNvPr>
+          <p:cNvCxnSpPr>
+            <a:cxnSpLocks/>
+            <a:endCxn id="104" idx="0"/>
+          </p:cNvCxnSpPr>
+          <p:nvPr/>
+        </p:nvCxnSpPr>
+        <p:spPr>
+          <a:xfrm flipH="1">
+            <a:off x="1545627" y="3867794"/>
+            <a:ext cx="1021744" cy="511731"/>
+          </a:xfrm>
+          <a:prstGeom prst="line">
+            <a:avLst/>
+          </a:prstGeom>
+          <a:ln>
+            <a:solidFill>
+              <a:schemeClr val="tx1">
+                <a:lumMod val="65000"/>
+                <a:lumOff val="35000"/>
+              </a:schemeClr>
+            </a:solidFill>
+          </a:ln>
+        </p:spPr>
+        <p:style>
+          <a:lnRef idx="1">
+            <a:schemeClr val="dk1"/>
+          </a:lnRef>
+          <a:fillRef idx="0">
+            <a:schemeClr val="dk1"/>
+          </a:fillRef>
+          <a:effectRef idx="0">
+            <a:schemeClr val="dk1"/>
+          </a:effectRef>
+          <a:fontRef idx="minor">
+            <a:schemeClr val="tx1"/>
+          </a:fontRef>
+        </p:style>
+      </p:cxnSp>
+      <p:cxnSp>
+        <p:nvCxnSpPr>
+          <p:cNvPr id="76" name="Straight Connector 75">
+            <a:extLst>
+              <a:ext uri="{FF2B5EF4-FFF2-40B4-BE49-F238E27FC236}">
+                <a16:creationId xmlns:a16="http://schemas.microsoft.com/office/drawing/2014/main" id="{66246581-E0B6-284E-AA99-533439AA8D91}"/>
+              </a:ext>
+            </a:extLst>
+          </p:cNvPr>
+          <p:cNvCxnSpPr>
+            <a:cxnSpLocks/>
+          </p:cNvCxnSpPr>
+          <p:nvPr/>
+        </p:nvCxnSpPr>
+        <p:spPr>
+          <a:xfrm flipH="1">
+            <a:off x="2567370" y="3867794"/>
+            <a:ext cx="1" cy="548640"/>
+          </a:xfrm>
+          <a:prstGeom prst="line">
+            <a:avLst/>
+          </a:prstGeom>
+          <a:ln>
+            <a:solidFill>
+              <a:schemeClr val="tx1">
+                <a:lumMod val="65000"/>
+                <a:lumOff val="35000"/>
+              </a:schemeClr>
+            </a:solidFill>
+          </a:ln>
+        </p:spPr>
+        <p:style>
+          <a:lnRef idx="1">
+            <a:schemeClr val="dk1"/>
+          </a:lnRef>
+          <a:fillRef idx="0">
+            <a:schemeClr val="dk1"/>
+          </a:fillRef>
+          <a:effectRef idx="0">
+            <a:schemeClr val="dk1"/>
+          </a:effectRef>
+          <a:fontRef idx="minor">
+            <a:schemeClr val="tx1"/>
+          </a:fontRef>
+        </p:style>
+      </p:cxnSp>
+      <p:cxnSp>
+        <p:nvCxnSpPr>
+          <p:cNvPr id="77" name="Straight Connector 76">
+            <a:extLst>
+              <a:ext uri="{FF2B5EF4-FFF2-40B4-BE49-F238E27FC236}">
+                <a16:creationId xmlns:a16="http://schemas.microsoft.com/office/drawing/2014/main" id="{84E21BC4-D4D7-3246-B685-CF3B60719EE6}"/>
+              </a:ext>
+            </a:extLst>
+          </p:cNvPr>
+          <p:cNvCxnSpPr>
+            <a:cxnSpLocks/>
+          </p:cNvCxnSpPr>
+          <p:nvPr/>
+        </p:nvCxnSpPr>
+        <p:spPr>
+          <a:xfrm>
+            <a:off x="2567370" y="3867794"/>
+            <a:ext cx="908157" cy="545153"/>
+          </a:xfrm>
+          <a:prstGeom prst="line">
+            <a:avLst/>
+          </a:prstGeom>
+          <a:ln>
+            <a:solidFill>
+              <a:schemeClr val="tx1">
+                <a:lumMod val="65000"/>
+                <a:lumOff val="35000"/>
+              </a:schemeClr>
+            </a:solidFill>
+          </a:ln>
+        </p:spPr>
+        <p:style>
+          <a:lnRef idx="1">
+            <a:schemeClr val="dk1"/>
+          </a:lnRef>
+          <a:fillRef idx="0">
+            <a:schemeClr val="dk1"/>
+          </a:fillRef>
+          <a:effectRef idx="0">
+            <a:schemeClr val="dk1"/>
+          </a:effectRef>
+          <a:fontRef idx="minor">
+            <a:schemeClr val="tx1"/>
+          </a:fontRef>
+        </p:style>
+      </p:cxnSp>
+      <p:sp>
+        <p:nvSpPr>
+          <p:cNvPr id="48" name="TextBox 47">
+            <a:extLst>
+              <a:ext uri="{FF2B5EF4-FFF2-40B4-BE49-F238E27FC236}">
+                <a16:creationId xmlns:a16="http://schemas.microsoft.com/office/drawing/2014/main" id="{DF410BA8-79CD-604A-85F0-986A545CEC67}"/>
+              </a:ext>
+            </a:extLst>
+          </p:cNvPr>
+          <p:cNvSpPr txBox="1"/>
+          <p:nvPr/>
+        </p:nvSpPr>
+        <p:spPr>
+          <a:xfrm>
+            <a:off x="1868491" y="3525102"/>
+            <a:ext cx="1434089" cy="369332"/>
+          </a:xfrm>
+          <a:prstGeom prst="rect">
+            <a:avLst/>
+          </a:prstGeom>
+          <a:noFill/>
+        </p:spPr>
+        <p:txBody>
+          <a:bodyPr wrap="square" rtlCol="0">
+            <a:spAutoFit/>
+          </a:bodyPr>
+          <a:lstStyle/>
+          <a:p>
+            <a:r>
+              <a:rPr lang="en-US" dirty="0">
+                <a:latin typeface="Arial" panose="020B0604020202020204" pitchFamily="34" charset="0"/>
+                <a:ea typeface="Arial" charset="0"/>
+                <a:cs typeface="Arial" panose="020B0604020202020204" pitchFamily="34" charset="0"/>
+              </a:rPr>
+              <a:t> ♂</a:t>
+            </a:r>
+            <a:r>
+              <a:rPr lang="en-US" sz="1400" baseline="-25000" dirty="0">
+                <a:latin typeface="Arial" panose="020B0604020202020204" pitchFamily="34" charset="0"/>
+                <a:ea typeface="Arial" charset="0"/>
+                <a:cs typeface="Arial" panose="020B0604020202020204" pitchFamily="34" charset="0"/>
+              </a:rPr>
+              <a:t>1</a:t>
+            </a:r>
+            <a:r>
+              <a:rPr lang="en-US" dirty="0">
+                <a:latin typeface="Arial" panose="020B0604020202020204" pitchFamily="34" charset="0"/>
+                <a:ea typeface="Arial" charset="0"/>
+                <a:cs typeface="Arial" panose="020B0604020202020204" pitchFamily="34" charset="0"/>
+              </a:rPr>
+              <a:t>. . . . . ♂</a:t>
+            </a:r>
+            <a:r>
+              <a:rPr lang="en-US" sz="1400" baseline="-25000" dirty="0">
+                <a:latin typeface="Arial" panose="020B0604020202020204" pitchFamily="34" charset="0"/>
+                <a:ea typeface="Arial" charset="0"/>
+                <a:cs typeface="Arial" panose="020B0604020202020204" pitchFamily="34" charset="0"/>
+              </a:rPr>
+              <a:t>28</a:t>
+            </a:r>
+          </a:p>
+        </p:txBody>
+      </p:sp>
+      <p:sp>
+        <p:nvSpPr>
+          <p:cNvPr id="104" name="TextBox 103">
+            <a:extLst>
+              <a:ext uri="{FF2B5EF4-FFF2-40B4-BE49-F238E27FC236}">
+                <a16:creationId xmlns:a16="http://schemas.microsoft.com/office/drawing/2014/main" id="{23E29E67-36D5-3044-B175-2BC8EBC8F830}"/>
+              </a:ext>
+            </a:extLst>
+          </p:cNvPr>
+          <p:cNvSpPr txBox="1"/>
+          <p:nvPr/>
+        </p:nvSpPr>
+        <p:spPr>
+          <a:xfrm>
+            <a:off x="1341311" y="4379525"/>
+            <a:ext cx="408631" cy="338554"/>
+          </a:xfrm>
+          <a:prstGeom prst="rect">
+            <a:avLst/>
+          </a:prstGeom>
+          <a:noFill/>
+        </p:spPr>
+        <p:txBody>
+          <a:bodyPr wrap="square" rtlCol="0">
+            <a:spAutoFit/>
+          </a:bodyPr>
+          <a:lstStyle/>
+          <a:p>
+            <a:r>
+              <a:rPr lang="en-US" sz="1600" dirty="0">
+                <a:latin typeface="Arial" panose="020B0604020202020204" pitchFamily="34" charset="0"/>
+                <a:ea typeface="Arial" charset="0"/>
+                <a:cs typeface="Arial" panose="020B0604020202020204" pitchFamily="34" charset="0"/>
+              </a:rPr>
+              <a:t>♀</a:t>
+            </a:r>
+            <a:r>
+              <a:rPr lang="en-US" sz="1400" baseline="-25000" dirty="0">
+                <a:latin typeface="Arial" panose="020B0604020202020204" pitchFamily="34" charset="0"/>
+                <a:ea typeface="Arial" charset="0"/>
+                <a:cs typeface="Arial" panose="020B0604020202020204" pitchFamily="34" charset="0"/>
+              </a:rPr>
+              <a:t>1</a:t>
+            </a:r>
+          </a:p>
+        </p:txBody>
+      </p:sp>
+      <p:cxnSp>
+        <p:nvCxnSpPr>
+          <p:cNvPr id="60" name="Straight Connector 59">
+            <a:extLst>
+              <a:ext uri="{FF2B5EF4-FFF2-40B4-BE49-F238E27FC236}">
+                <a16:creationId xmlns:a16="http://schemas.microsoft.com/office/drawing/2014/main" id="{3E49C41D-0846-2544-B616-E86B1C41CA9D}"/>
+              </a:ext>
+            </a:extLst>
+          </p:cNvPr>
+          <p:cNvCxnSpPr>
+            <a:cxnSpLocks/>
+          </p:cNvCxnSpPr>
+          <p:nvPr/>
+        </p:nvCxnSpPr>
+        <p:spPr>
+          <a:xfrm flipH="1">
+            <a:off x="1188365" y="4693947"/>
+            <a:ext cx="305464" cy="391933"/>
+          </a:xfrm>
+          <a:prstGeom prst="line">
+            <a:avLst/>
+          </a:prstGeom>
+          <a:ln>
+            <a:solidFill>
+              <a:schemeClr val="tx1">
+                <a:lumMod val="65000"/>
+                <a:lumOff val="35000"/>
+              </a:schemeClr>
+            </a:solidFill>
+          </a:ln>
+        </p:spPr>
+        <p:style>
+          <a:lnRef idx="1">
+            <a:schemeClr val="dk1"/>
+          </a:lnRef>
+          <a:fillRef idx="0">
+            <a:schemeClr val="dk1"/>
+          </a:fillRef>
+          <a:effectRef idx="0">
+            <a:schemeClr val="dk1"/>
+          </a:effectRef>
+          <a:fontRef idx="minor">
+            <a:schemeClr val="tx1"/>
+          </a:fontRef>
+        </p:style>
+      </p:cxnSp>
+      <p:cxnSp>
+        <p:nvCxnSpPr>
+          <p:cNvPr id="61" name="Straight Connector 60">
+            <a:extLst>
+              <a:ext uri="{FF2B5EF4-FFF2-40B4-BE49-F238E27FC236}">
+                <a16:creationId xmlns:a16="http://schemas.microsoft.com/office/drawing/2014/main" id="{12A5378D-53BA-9F4E-A3C9-F36B385391B2}"/>
+              </a:ext>
+            </a:extLst>
+          </p:cNvPr>
+          <p:cNvCxnSpPr>
+            <a:cxnSpLocks/>
+          </p:cNvCxnSpPr>
+          <p:nvPr/>
+        </p:nvCxnSpPr>
+        <p:spPr>
+          <a:xfrm flipH="1">
+            <a:off x="1448072" y="4693947"/>
+            <a:ext cx="45758" cy="435566"/>
+          </a:xfrm>
+          <a:prstGeom prst="line">
+            <a:avLst/>
+          </a:prstGeom>
+          <a:ln>
+            <a:solidFill>
+              <a:schemeClr val="tx1">
+                <a:lumMod val="65000"/>
+                <a:lumOff val="35000"/>
+              </a:schemeClr>
+            </a:solidFill>
+          </a:ln>
+        </p:spPr>
+        <p:style>
+          <a:lnRef idx="1">
+            <a:schemeClr val="dk1"/>
+          </a:lnRef>
+          <a:fillRef idx="0">
+            <a:schemeClr val="dk1"/>
+          </a:fillRef>
+          <a:effectRef idx="0">
+            <a:schemeClr val="dk1"/>
+          </a:effectRef>
+          <a:fontRef idx="minor">
+            <a:schemeClr val="tx1"/>
+          </a:fontRef>
+        </p:style>
+      </p:cxnSp>
+      <p:cxnSp>
+        <p:nvCxnSpPr>
+          <p:cNvPr id="62" name="Straight Connector 61">
+            <a:extLst>
+              <a:ext uri="{FF2B5EF4-FFF2-40B4-BE49-F238E27FC236}">
+                <a16:creationId xmlns:a16="http://schemas.microsoft.com/office/drawing/2014/main" id="{16686E80-22D0-2A4C-847B-BE26141DED3B}"/>
+              </a:ext>
+            </a:extLst>
+          </p:cNvPr>
+          <p:cNvCxnSpPr>
+            <a:cxnSpLocks/>
+          </p:cNvCxnSpPr>
+          <p:nvPr/>
+        </p:nvCxnSpPr>
+        <p:spPr>
+          <a:xfrm>
+            <a:off x="1493829" y="4693947"/>
+            <a:ext cx="226940" cy="422549"/>
+          </a:xfrm>
+          <a:prstGeom prst="line">
+            <a:avLst/>
+          </a:prstGeom>
+          <a:ln>
+            <a:solidFill>
+              <a:schemeClr val="tx1">
+                <a:lumMod val="65000"/>
+                <a:lumOff val="35000"/>
+              </a:schemeClr>
+            </a:solidFill>
+          </a:ln>
+        </p:spPr>
+        <p:style>
+          <a:lnRef idx="1">
+            <a:schemeClr val="dk1"/>
+          </a:lnRef>
+          <a:fillRef idx="0">
+            <a:schemeClr val="dk1"/>
+          </a:fillRef>
+          <a:effectRef idx="0">
+            <a:schemeClr val="dk1"/>
+          </a:effectRef>
+          <a:fontRef idx="minor">
+            <a:schemeClr val="tx1"/>
+          </a:fontRef>
+        </p:style>
+      </p:cxnSp>
+      <p:grpSp>
+        <p:nvGrpSpPr>
+          <p:cNvPr id="17" name="Group 16">
+            <a:extLst>
+              <a:ext uri="{FF2B5EF4-FFF2-40B4-BE49-F238E27FC236}">
+                <a16:creationId xmlns:a16="http://schemas.microsoft.com/office/drawing/2014/main" id="{F2EB73AA-57A2-A84B-B0DB-903C38B93116}"/>
+              </a:ext>
+            </a:extLst>
+          </p:cNvPr>
+          <p:cNvGrpSpPr/>
+          <p:nvPr/>
+        </p:nvGrpSpPr>
+        <p:grpSpPr>
+          <a:xfrm>
+            <a:off x="1372457" y="5182739"/>
+            <a:ext cx="158500" cy="1087780"/>
+            <a:chOff x="1993271" y="3948636"/>
+            <a:chExt cx="158500" cy="1087780"/>
+          </a:xfrm>
+        </p:grpSpPr>
+        <p:sp>
+          <p:nvSpPr>
+            <p:cNvPr id="91" name="Can 90">
+              <a:extLst>
+                <a:ext uri="{FF2B5EF4-FFF2-40B4-BE49-F238E27FC236}">
+                  <a16:creationId xmlns:a16="http://schemas.microsoft.com/office/drawing/2014/main" id="{543FB1E3-446C-0C4C-935A-759B367A2246}"/>
+                </a:ext>
+              </a:extLst>
+            </p:cNvPr>
+            <p:cNvSpPr/>
+            <p:nvPr/>
+          </p:nvSpPr>
+          <p:spPr>
+            <a:xfrm>
+              <a:off x="1993271" y="3948636"/>
+              <a:ext cx="64008" cy="320040"/>
+            </a:xfrm>
+            <a:prstGeom prst="can">
+              <a:avLst/>
+            </a:prstGeom>
+            <a:solidFill>
+              <a:srgbClr val="999999"/>
+            </a:solidFill>
+            <a:ln>
+              <a:solidFill>
+                <a:schemeClr val="tx1">
+                  <a:lumMod val="50000"/>
+                  <a:lumOff val="50000"/>
+                </a:schemeClr>
+              </a:solidFill>
+            </a:ln>
+            <a:effectLst/>
+          </p:spPr>
+          <p:style>
+            <a:lnRef idx="2">
+              <a:schemeClr val="accent1">
+                <a:shade val="50000"/>
+              </a:schemeClr>
+            </a:lnRef>
+            <a:fillRef idx="1">
+              <a:schemeClr val="accent1"/>
+            </a:fillRef>
+            <a:effectRef idx="0">
+              <a:schemeClr val="accent1"/>
+            </a:effectRef>
+            <a:fontRef idx="minor">
+              <a:schemeClr val="lt1"/>
+            </a:fontRef>
+          </p:style>
+          <p:txBody>
+            <a:bodyPr rtlCol="0" anchor="ctr"/>
+            <a:lstStyle/>
+            <a:p>
+              <a:pPr algn="ctr"/>
+              <a:endParaRPr lang="en-US"/>
+            </a:p>
+          </p:txBody>
+        </p:sp>
+        <p:sp>
+          <p:nvSpPr>
+            <p:cNvPr id="92" name="Can 91">
+              <a:extLst>
+                <a:ext uri="{FF2B5EF4-FFF2-40B4-BE49-F238E27FC236}">
+                  <a16:creationId xmlns:a16="http://schemas.microsoft.com/office/drawing/2014/main" id="{2FF2260D-EB12-324F-9FAB-009154EC1C08}"/>
+                </a:ext>
+              </a:extLst>
+            </p:cNvPr>
+            <p:cNvSpPr/>
+            <p:nvPr/>
+          </p:nvSpPr>
+          <p:spPr>
+            <a:xfrm>
+              <a:off x="2087763" y="3948636"/>
+              <a:ext cx="64008" cy="320040"/>
+            </a:xfrm>
+            <a:prstGeom prst="can">
+              <a:avLst/>
+            </a:prstGeom>
+            <a:solidFill>
+              <a:srgbClr val="999999"/>
+            </a:solidFill>
+            <a:ln>
+              <a:solidFill>
+                <a:schemeClr val="tx1">
+                  <a:lumMod val="50000"/>
+                  <a:lumOff val="50000"/>
+                </a:schemeClr>
+              </a:solidFill>
+            </a:ln>
+            <a:effectLst/>
+          </p:spPr>
+          <p:style>
+            <a:lnRef idx="2">
+              <a:schemeClr val="accent1">
+                <a:shade val="50000"/>
+              </a:schemeClr>
+            </a:lnRef>
+            <a:fillRef idx="1">
+              <a:schemeClr val="accent1"/>
+            </a:fillRef>
+            <a:effectRef idx="0">
+              <a:schemeClr val="accent1"/>
+            </a:effectRef>
+            <a:fontRef idx="minor">
+              <a:schemeClr val="lt1"/>
+            </a:fontRef>
+          </p:style>
+          <p:txBody>
+            <a:bodyPr rtlCol="0" anchor="ctr"/>
+            <a:lstStyle/>
+            <a:p>
+              <a:pPr algn="ctr"/>
+              <a:endParaRPr lang="en-US"/>
+            </a:p>
+          </p:txBody>
+        </p:sp>
+        <p:sp>
+          <p:nvSpPr>
+            <p:cNvPr id="93" name="Can 92">
+              <a:extLst>
+                <a:ext uri="{FF2B5EF4-FFF2-40B4-BE49-F238E27FC236}">
+                  <a16:creationId xmlns:a16="http://schemas.microsoft.com/office/drawing/2014/main" id="{3B786C7C-D946-404F-A394-DEA90CCA1743}"/>
+                </a:ext>
+              </a:extLst>
+            </p:cNvPr>
+            <p:cNvSpPr/>
+            <p:nvPr/>
+          </p:nvSpPr>
+          <p:spPr>
+            <a:xfrm>
+              <a:off x="1993271" y="4332506"/>
+              <a:ext cx="64008" cy="320040"/>
+            </a:xfrm>
+            <a:prstGeom prst="can">
+              <a:avLst/>
+            </a:prstGeom>
+            <a:solidFill>
+              <a:srgbClr val="E69E01"/>
+            </a:solidFill>
+            <a:ln>
+              <a:solidFill>
+                <a:schemeClr val="tx1">
+                  <a:lumMod val="50000"/>
+                  <a:lumOff val="50000"/>
+                </a:schemeClr>
+              </a:solidFill>
+            </a:ln>
+            <a:effectLst/>
+          </p:spPr>
+          <p:style>
+            <a:lnRef idx="2">
+              <a:schemeClr val="accent1">
+                <a:shade val="50000"/>
+              </a:schemeClr>
+            </a:lnRef>
+            <a:fillRef idx="1">
+              <a:schemeClr val="accent1"/>
+            </a:fillRef>
+            <a:effectRef idx="0">
+              <a:schemeClr val="accent1"/>
+            </a:effectRef>
+            <a:fontRef idx="minor">
+              <a:schemeClr val="lt1"/>
+            </a:fontRef>
+          </p:style>
+          <p:txBody>
+            <a:bodyPr rtlCol="0" anchor="ctr"/>
+            <a:lstStyle/>
+            <a:p>
+              <a:pPr algn="ctr"/>
+              <a:endParaRPr lang="en-US"/>
+            </a:p>
+          </p:txBody>
+        </p:sp>
+        <p:sp>
+          <p:nvSpPr>
+            <p:cNvPr id="94" name="Can 93">
+              <a:extLst>
+                <a:ext uri="{FF2B5EF4-FFF2-40B4-BE49-F238E27FC236}">
+                  <a16:creationId xmlns:a16="http://schemas.microsoft.com/office/drawing/2014/main" id="{8AC1828B-B013-2545-9340-F49B0EE2B770}"/>
+                </a:ext>
+              </a:extLst>
+            </p:cNvPr>
+            <p:cNvSpPr/>
+            <p:nvPr/>
+          </p:nvSpPr>
+          <p:spPr>
+            <a:xfrm>
+              <a:off x="2087763" y="4332506"/>
+              <a:ext cx="64008" cy="320040"/>
+            </a:xfrm>
+            <a:prstGeom prst="can">
+              <a:avLst/>
+            </a:prstGeom>
+            <a:solidFill>
+              <a:srgbClr val="E69E01"/>
+            </a:solidFill>
+            <a:ln>
+              <a:solidFill>
+                <a:schemeClr val="tx1">
+                  <a:lumMod val="50000"/>
+                  <a:lumOff val="50000"/>
+                </a:schemeClr>
+              </a:solidFill>
+            </a:ln>
+            <a:effectLst/>
+          </p:spPr>
+          <p:style>
+            <a:lnRef idx="2">
+              <a:schemeClr val="accent1">
+                <a:shade val="50000"/>
+              </a:schemeClr>
+            </a:lnRef>
+            <a:fillRef idx="1">
+              <a:schemeClr val="accent1"/>
+            </a:fillRef>
+            <a:effectRef idx="0">
+              <a:schemeClr val="accent1"/>
+            </a:effectRef>
+            <a:fontRef idx="minor">
+              <a:schemeClr val="lt1"/>
+            </a:fontRef>
+          </p:style>
+          <p:txBody>
+            <a:bodyPr rtlCol="0" anchor="ctr"/>
+            <a:lstStyle/>
+            <a:p>
+              <a:pPr algn="ctr"/>
+              <a:endParaRPr lang="en-US"/>
+            </a:p>
+          </p:txBody>
+        </p:sp>
+        <p:sp>
+          <p:nvSpPr>
+            <p:cNvPr id="95" name="Can 94">
+              <a:extLst>
+                <a:ext uri="{FF2B5EF4-FFF2-40B4-BE49-F238E27FC236}">
+                  <a16:creationId xmlns:a16="http://schemas.microsoft.com/office/drawing/2014/main" id="{3E63CE96-3330-494C-8703-1613723E64C4}"/>
+                </a:ext>
+              </a:extLst>
+            </p:cNvPr>
+            <p:cNvSpPr/>
+            <p:nvPr/>
+          </p:nvSpPr>
+          <p:spPr>
+            <a:xfrm>
+              <a:off x="1993271" y="4716376"/>
+              <a:ext cx="64008" cy="320040"/>
+            </a:xfrm>
+            <a:prstGeom prst="can">
+              <a:avLst/>
+            </a:prstGeom>
+            <a:solidFill>
+              <a:srgbClr val="55B4EA"/>
+            </a:solidFill>
+            <a:ln>
+              <a:solidFill>
+                <a:schemeClr val="tx1">
+                  <a:lumMod val="50000"/>
+                  <a:lumOff val="50000"/>
+                </a:schemeClr>
+              </a:solidFill>
+            </a:ln>
+            <a:effectLst/>
+          </p:spPr>
+          <p:style>
+            <a:lnRef idx="2">
+              <a:schemeClr val="accent1">
+                <a:shade val="50000"/>
+              </a:schemeClr>
+            </a:lnRef>
+            <a:fillRef idx="1">
+              <a:schemeClr val="accent1"/>
+            </a:fillRef>
+            <a:effectRef idx="0">
+              <a:schemeClr val="accent1"/>
+            </a:effectRef>
+            <a:fontRef idx="minor">
+              <a:schemeClr val="lt1"/>
+            </a:fontRef>
+          </p:style>
+          <p:txBody>
+            <a:bodyPr rtlCol="0" anchor="ctr"/>
+            <a:lstStyle/>
+            <a:p>
+              <a:pPr algn="ctr"/>
+              <a:endParaRPr lang="en-US"/>
+            </a:p>
+          </p:txBody>
+        </p:sp>
+        <p:sp>
+          <p:nvSpPr>
+            <p:cNvPr id="96" name="Can 95">
+              <a:extLst>
+                <a:ext uri="{FF2B5EF4-FFF2-40B4-BE49-F238E27FC236}">
+                  <a16:creationId xmlns:a16="http://schemas.microsoft.com/office/drawing/2014/main" id="{471EAD1D-CBCE-9747-A5DA-748E5D868D72}"/>
+                </a:ext>
+              </a:extLst>
+            </p:cNvPr>
+            <p:cNvSpPr/>
+            <p:nvPr/>
+          </p:nvSpPr>
+          <p:spPr>
+            <a:xfrm>
+              <a:off x="2087763" y="4716376"/>
+              <a:ext cx="64008" cy="320040"/>
+            </a:xfrm>
+            <a:prstGeom prst="can">
+              <a:avLst/>
+            </a:prstGeom>
+            <a:solidFill>
+              <a:srgbClr val="55B4EA"/>
+            </a:solidFill>
+            <a:ln>
+              <a:solidFill>
+                <a:schemeClr val="tx1">
+                  <a:lumMod val="50000"/>
+                  <a:lumOff val="50000"/>
+                </a:schemeClr>
+              </a:solidFill>
+            </a:ln>
+            <a:effectLst/>
+          </p:spPr>
+          <p:style>
+            <a:lnRef idx="2">
+              <a:schemeClr val="accent1">
+                <a:shade val="50000"/>
+              </a:schemeClr>
+            </a:lnRef>
+            <a:fillRef idx="1">
+              <a:schemeClr val="accent1"/>
+            </a:fillRef>
+            <a:effectRef idx="0">
+              <a:schemeClr val="accent1"/>
+            </a:effectRef>
+            <a:fontRef idx="minor">
+              <a:schemeClr val="lt1"/>
+            </a:fontRef>
+          </p:style>
+          <p:txBody>
+            <a:bodyPr rtlCol="0" anchor="ctr"/>
+            <a:lstStyle/>
+            <a:p>
+              <a:pPr algn="ctr"/>
+              <a:endParaRPr lang="en-US"/>
+            </a:p>
+          </p:txBody>
+        </p:sp>
+      </p:grpSp>
+      <p:grpSp>
+        <p:nvGrpSpPr>
+          <p:cNvPr id="136" name="Group 135">
+            <a:extLst>
+              <a:ext uri="{FF2B5EF4-FFF2-40B4-BE49-F238E27FC236}">
+                <a16:creationId xmlns:a16="http://schemas.microsoft.com/office/drawing/2014/main" id="{EAA2C8AF-608B-A242-BEEE-8DB9CCD6B4F4}"/>
+              </a:ext>
+            </a:extLst>
+          </p:cNvPr>
+          <p:cNvGrpSpPr/>
+          <p:nvPr/>
+        </p:nvGrpSpPr>
+        <p:grpSpPr>
+          <a:xfrm>
+            <a:off x="1656761" y="5183485"/>
+            <a:ext cx="158500" cy="1087780"/>
+            <a:chOff x="1993271" y="3948636"/>
+            <a:chExt cx="158500" cy="1087780"/>
+          </a:xfrm>
+        </p:grpSpPr>
+        <p:sp>
+          <p:nvSpPr>
+            <p:cNvPr id="137" name="Can 136">
+              <a:extLst>
+                <a:ext uri="{FF2B5EF4-FFF2-40B4-BE49-F238E27FC236}">
+                  <a16:creationId xmlns:a16="http://schemas.microsoft.com/office/drawing/2014/main" id="{668B07DA-2C1B-AA48-A96E-185785F75D03}"/>
+                </a:ext>
+              </a:extLst>
+            </p:cNvPr>
+            <p:cNvSpPr/>
+            <p:nvPr/>
+          </p:nvSpPr>
+          <p:spPr>
+            <a:xfrm>
+              <a:off x="1993271" y="3948636"/>
+              <a:ext cx="64008" cy="320040"/>
+            </a:xfrm>
+            <a:prstGeom prst="can">
+              <a:avLst/>
+            </a:prstGeom>
+            <a:solidFill>
+              <a:srgbClr val="999999"/>
+            </a:solidFill>
+            <a:ln>
+              <a:solidFill>
+                <a:schemeClr val="tx1">
+                  <a:lumMod val="50000"/>
+                  <a:lumOff val="50000"/>
+                </a:schemeClr>
+              </a:solidFill>
+            </a:ln>
+            <a:effectLst/>
+          </p:spPr>
+          <p:style>
+            <a:lnRef idx="2">
+              <a:schemeClr val="accent1">
+                <a:shade val="50000"/>
+              </a:schemeClr>
+            </a:lnRef>
+            <a:fillRef idx="1">
+              <a:schemeClr val="accent1"/>
+            </a:fillRef>
+            <a:effectRef idx="0">
+              <a:schemeClr val="accent1"/>
+            </a:effectRef>
+            <a:fontRef idx="minor">
+              <a:schemeClr val="lt1"/>
+            </a:fontRef>
+          </p:style>
+          <p:txBody>
+            <a:bodyPr rtlCol="0" anchor="ctr"/>
+            <a:lstStyle/>
+            <a:p>
+              <a:pPr algn="ctr"/>
+              <a:endParaRPr lang="en-US"/>
+            </a:p>
+          </p:txBody>
+        </p:sp>
+        <p:sp>
+          <p:nvSpPr>
+            <p:cNvPr id="138" name="Can 137">
+              <a:extLst>
+                <a:ext uri="{FF2B5EF4-FFF2-40B4-BE49-F238E27FC236}">
+                  <a16:creationId xmlns:a16="http://schemas.microsoft.com/office/drawing/2014/main" id="{5D3F80EB-CEE7-C449-8A64-59C77CA087A3}"/>
+                </a:ext>
+              </a:extLst>
+            </p:cNvPr>
+            <p:cNvSpPr/>
+            <p:nvPr/>
+          </p:nvSpPr>
+          <p:spPr>
+            <a:xfrm>
+              <a:off x="2087763" y="3948636"/>
+              <a:ext cx="64008" cy="320040"/>
+            </a:xfrm>
+            <a:prstGeom prst="can">
+              <a:avLst/>
+            </a:prstGeom>
+            <a:solidFill>
+              <a:srgbClr val="999999"/>
+            </a:solidFill>
+            <a:ln>
+              <a:solidFill>
+                <a:schemeClr val="tx1">
+                  <a:lumMod val="50000"/>
+                  <a:lumOff val="50000"/>
+                </a:schemeClr>
+              </a:solidFill>
+            </a:ln>
+            <a:effectLst/>
+          </p:spPr>
+          <p:style>
+            <a:lnRef idx="2">
+              <a:schemeClr val="accent1">
+                <a:shade val="50000"/>
+              </a:schemeClr>
+            </a:lnRef>
+            <a:fillRef idx="1">
+              <a:schemeClr val="accent1"/>
+            </a:fillRef>
+            <a:effectRef idx="0">
+              <a:schemeClr val="accent1"/>
+            </a:effectRef>
+            <a:fontRef idx="minor">
+              <a:schemeClr val="lt1"/>
+            </a:fontRef>
+          </p:style>
+          <p:txBody>
+            <a:bodyPr rtlCol="0" anchor="ctr"/>
+            <a:lstStyle/>
+            <a:p>
+              <a:pPr algn="ctr"/>
+              <a:endParaRPr lang="en-US"/>
+            </a:p>
+          </p:txBody>
+        </p:sp>
+        <p:sp>
+          <p:nvSpPr>
+            <p:cNvPr id="139" name="Can 138">
+              <a:extLst>
+                <a:ext uri="{FF2B5EF4-FFF2-40B4-BE49-F238E27FC236}">
+                  <a16:creationId xmlns:a16="http://schemas.microsoft.com/office/drawing/2014/main" id="{627BD3AD-C221-904F-AE06-B5385141556A}"/>
+                </a:ext>
+              </a:extLst>
+            </p:cNvPr>
+            <p:cNvSpPr/>
+            <p:nvPr/>
+          </p:nvSpPr>
+          <p:spPr>
+            <a:xfrm>
+              <a:off x="1993271" y="4332506"/>
+              <a:ext cx="64008" cy="320040"/>
+            </a:xfrm>
+            <a:prstGeom prst="can">
+              <a:avLst/>
+            </a:prstGeom>
+            <a:solidFill>
+              <a:srgbClr val="E69E01"/>
+            </a:solidFill>
+            <a:ln>
+              <a:solidFill>
+                <a:schemeClr val="tx1">
+                  <a:lumMod val="50000"/>
+                  <a:lumOff val="50000"/>
+                </a:schemeClr>
+              </a:solidFill>
+            </a:ln>
+            <a:effectLst/>
+          </p:spPr>
+          <p:style>
+            <a:lnRef idx="2">
+              <a:schemeClr val="accent1">
+                <a:shade val="50000"/>
+              </a:schemeClr>
+            </a:lnRef>
+            <a:fillRef idx="1">
+              <a:schemeClr val="accent1"/>
+            </a:fillRef>
+            <a:effectRef idx="0">
+              <a:schemeClr val="accent1"/>
+            </a:effectRef>
+            <a:fontRef idx="minor">
+              <a:schemeClr val="lt1"/>
+            </a:fontRef>
+          </p:style>
+          <p:txBody>
+            <a:bodyPr rtlCol="0" anchor="ctr"/>
+            <a:lstStyle/>
+            <a:p>
+              <a:pPr algn="ctr"/>
+              <a:endParaRPr lang="en-US"/>
+            </a:p>
+          </p:txBody>
+        </p:sp>
+        <p:sp>
+          <p:nvSpPr>
+            <p:cNvPr id="140" name="Can 139">
+              <a:extLst>
+                <a:ext uri="{FF2B5EF4-FFF2-40B4-BE49-F238E27FC236}">
+                  <a16:creationId xmlns:a16="http://schemas.microsoft.com/office/drawing/2014/main" id="{938980D4-4745-684D-B2F0-D99C5C167CD3}"/>
+                </a:ext>
+              </a:extLst>
+            </p:cNvPr>
+            <p:cNvSpPr/>
+            <p:nvPr/>
+          </p:nvSpPr>
+          <p:spPr>
+            <a:xfrm>
+              <a:off x="2087763" y="4332506"/>
+              <a:ext cx="64008" cy="320040"/>
+            </a:xfrm>
+            <a:prstGeom prst="can">
+              <a:avLst/>
+            </a:prstGeom>
+            <a:solidFill>
+              <a:srgbClr val="E69E01"/>
+            </a:solidFill>
+            <a:ln>
+              <a:solidFill>
+                <a:schemeClr val="tx1">
+                  <a:lumMod val="50000"/>
+                  <a:lumOff val="50000"/>
+                </a:schemeClr>
+              </a:solidFill>
+            </a:ln>
+            <a:effectLst/>
+          </p:spPr>
+          <p:style>
+            <a:lnRef idx="2">
+              <a:schemeClr val="accent1">
+                <a:shade val="50000"/>
+              </a:schemeClr>
+            </a:lnRef>
+            <a:fillRef idx="1">
+              <a:schemeClr val="accent1"/>
+            </a:fillRef>
+            <a:effectRef idx="0">
+              <a:schemeClr val="accent1"/>
+            </a:effectRef>
+            <a:fontRef idx="minor">
+              <a:schemeClr val="lt1"/>
+            </a:fontRef>
+          </p:style>
+          <p:txBody>
+            <a:bodyPr rtlCol="0" anchor="ctr"/>
+            <a:lstStyle/>
+            <a:p>
+              <a:pPr algn="ctr"/>
+              <a:endParaRPr lang="en-US"/>
+            </a:p>
+          </p:txBody>
+        </p:sp>
+        <p:sp>
+          <p:nvSpPr>
+            <p:cNvPr id="141" name="Can 140">
+              <a:extLst>
+                <a:ext uri="{FF2B5EF4-FFF2-40B4-BE49-F238E27FC236}">
+                  <a16:creationId xmlns:a16="http://schemas.microsoft.com/office/drawing/2014/main" id="{9E5B683E-E991-F748-B18D-B96CC1DD7ECE}"/>
+                </a:ext>
+              </a:extLst>
+            </p:cNvPr>
+            <p:cNvSpPr/>
+            <p:nvPr/>
+          </p:nvSpPr>
+          <p:spPr>
+            <a:xfrm>
+              <a:off x="1993271" y="4716376"/>
+              <a:ext cx="64008" cy="320040"/>
+            </a:xfrm>
+            <a:prstGeom prst="can">
+              <a:avLst/>
+            </a:prstGeom>
+            <a:solidFill>
+              <a:srgbClr val="55B4EA"/>
+            </a:solidFill>
+            <a:ln>
+              <a:solidFill>
+                <a:schemeClr val="tx1">
+                  <a:lumMod val="50000"/>
+                  <a:lumOff val="50000"/>
+                </a:schemeClr>
+              </a:solidFill>
+            </a:ln>
+            <a:effectLst/>
+          </p:spPr>
+          <p:style>
+            <a:lnRef idx="2">
+              <a:schemeClr val="accent1">
+                <a:shade val="50000"/>
+              </a:schemeClr>
+            </a:lnRef>
+            <a:fillRef idx="1">
+              <a:schemeClr val="accent1"/>
+            </a:fillRef>
+            <a:effectRef idx="0">
+              <a:schemeClr val="accent1"/>
+            </a:effectRef>
+            <a:fontRef idx="minor">
+              <a:schemeClr val="lt1"/>
+            </a:fontRef>
+          </p:style>
+          <p:txBody>
+            <a:bodyPr rtlCol="0" anchor="ctr"/>
+            <a:lstStyle/>
+            <a:p>
+              <a:pPr algn="ctr"/>
+              <a:endParaRPr lang="en-US"/>
+            </a:p>
+          </p:txBody>
+        </p:sp>
+        <p:sp>
+          <p:nvSpPr>
+            <p:cNvPr id="143" name="Can 142">
+              <a:extLst>
+                <a:ext uri="{FF2B5EF4-FFF2-40B4-BE49-F238E27FC236}">
+                  <a16:creationId xmlns:a16="http://schemas.microsoft.com/office/drawing/2014/main" id="{3C827D31-EF2E-6C44-AB5D-F8EAA432C450}"/>
+                </a:ext>
+              </a:extLst>
+            </p:cNvPr>
+            <p:cNvSpPr/>
+            <p:nvPr/>
+          </p:nvSpPr>
+          <p:spPr>
+            <a:xfrm>
+              <a:off x="2087763" y="4716376"/>
+              <a:ext cx="64008" cy="320040"/>
+            </a:xfrm>
+            <a:prstGeom prst="can">
+              <a:avLst/>
+            </a:prstGeom>
+            <a:solidFill>
+              <a:srgbClr val="55B4EA"/>
+            </a:solidFill>
+            <a:ln>
+              <a:solidFill>
+                <a:schemeClr val="tx1">
+                  <a:lumMod val="50000"/>
+                  <a:lumOff val="50000"/>
+                </a:schemeClr>
+              </a:solidFill>
+            </a:ln>
+            <a:effectLst/>
+          </p:spPr>
+          <p:style>
+            <a:lnRef idx="2">
+              <a:schemeClr val="accent1">
+                <a:shade val="50000"/>
+              </a:schemeClr>
+            </a:lnRef>
+            <a:fillRef idx="1">
+              <a:schemeClr val="accent1"/>
+            </a:fillRef>
+            <a:effectRef idx="0">
+              <a:schemeClr val="accent1"/>
+            </a:effectRef>
+            <a:fontRef idx="minor">
+              <a:schemeClr val="lt1"/>
+            </a:fontRef>
+          </p:style>
+          <p:txBody>
+            <a:bodyPr rtlCol="0" anchor="ctr"/>
+            <a:lstStyle/>
+            <a:p>
+              <a:pPr algn="ctr"/>
+              <a:endParaRPr lang="en-US"/>
+            </a:p>
+          </p:txBody>
+        </p:sp>
+      </p:grpSp>
+      <p:grpSp>
+        <p:nvGrpSpPr>
+          <p:cNvPr id="144" name="Group 143">
+            <a:extLst>
+              <a:ext uri="{FF2B5EF4-FFF2-40B4-BE49-F238E27FC236}">
+                <a16:creationId xmlns:a16="http://schemas.microsoft.com/office/drawing/2014/main" id="{42F5F4DA-96A0-D641-9C53-00ACCB8DC717}"/>
+              </a:ext>
+            </a:extLst>
+          </p:cNvPr>
+          <p:cNvGrpSpPr/>
+          <p:nvPr/>
+        </p:nvGrpSpPr>
+        <p:grpSpPr>
+          <a:xfrm>
+            <a:off x="1093873" y="5182739"/>
+            <a:ext cx="158500" cy="1087780"/>
+            <a:chOff x="1993271" y="3948636"/>
+            <a:chExt cx="158500" cy="1087780"/>
+          </a:xfrm>
+        </p:grpSpPr>
+        <p:sp>
+          <p:nvSpPr>
+            <p:cNvPr id="152" name="Can 151">
+              <a:extLst>
+                <a:ext uri="{FF2B5EF4-FFF2-40B4-BE49-F238E27FC236}">
+                  <a16:creationId xmlns:a16="http://schemas.microsoft.com/office/drawing/2014/main" id="{B7B5D45D-D03A-F645-AEE6-00C873D2BEF5}"/>
+                </a:ext>
+              </a:extLst>
+            </p:cNvPr>
+            <p:cNvSpPr/>
+            <p:nvPr/>
+          </p:nvSpPr>
+          <p:spPr>
+            <a:xfrm>
+              <a:off x="1993271" y="3948636"/>
+              <a:ext cx="64008" cy="320040"/>
+            </a:xfrm>
+            <a:prstGeom prst="can">
+              <a:avLst/>
+            </a:prstGeom>
+            <a:solidFill>
+              <a:srgbClr val="999999"/>
+            </a:solidFill>
+            <a:ln>
+              <a:solidFill>
+                <a:schemeClr val="tx1">
+                  <a:lumMod val="50000"/>
+                  <a:lumOff val="50000"/>
+                </a:schemeClr>
+              </a:solidFill>
+            </a:ln>
+            <a:effectLst/>
+          </p:spPr>
+          <p:style>
+            <a:lnRef idx="2">
+              <a:schemeClr val="accent1">
+                <a:shade val="50000"/>
+              </a:schemeClr>
+            </a:lnRef>
+            <a:fillRef idx="1">
+              <a:schemeClr val="accent1"/>
+            </a:fillRef>
+            <a:effectRef idx="0">
+              <a:schemeClr val="accent1"/>
+            </a:effectRef>
+            <a:fontRef idx="minor">
+              <a:schemeClr val="lt1"/>
+            </a:fontRef>
+          </p:style>
+          <p:txBody>
+            <a:bodyPr rtlCol="0" anchor="ctr"/>
+            <a:lstStyle/>
+            <a:p>
+              <a:pPr algn="ctr"/>
+              <a:endParaRPr lang="en-US"/>
+            </a:p>
+          </p:txBody>
+        </p:sp>
+        <p:sp>
+          <p:nvSpPr>
+            <p:cNvPr id="153" name="Can 152">
+              <a:extLst>
+                <a:ext uri="{FF2B5EF4-FFF2-40B4-BE49-F238E27FC236}">
+                  <a16:creationId xmlns:a16="http://schemas.microsoft.com/office/drawing/2014/main" id="{87CC3947-1EA6-9945-B93F-3F815CEC6219}"/>
+                </a:ext>
+              </a:extLst>
+            </p:cNvPr>
+            <p:cNvSpPr/>
+            <p:nvPr/>
+          </p:nvSpPr>
+          <p:spPr>
+            <a:xfrm>
+              <a:off x="2087763" y="3948636"/>
+              <a:ext cx="64008" cy="320040"/>
+            </a:xfrm>
+            <a:prstGeom prst="can">
+              <a:avLst/>
+            </a:prstGeom>
+            <a:solidFill>
+              <a:srgbClr val="999999"/>
+            </a:solidFill>
+            <a:ln>
+              <a:solidFill>
+                <a:schemeClr val="tx1">
+                  <a:lumMod val="50000"/>
+                  <a:lumOff val="50000"/>
+                </a:schemeClr>
+              </a:solidFill>
+            </a:ln>
+            <a:effectLst/>
+          </p:spPr>
+          <p:style>
+            <a:lnRef idx="2">
+              <a:schemeClr val="accent1">
+                <a:shade val="50000"/>
+              </a:schemeClr>
+            </a:lnRef>
+            <a:fillRef idx="1">
+              <a:schemeClr val="accent1"/>
+            </a:fillRef>
+            <a:effectRef idx="0">
+              <a:schemeClr val="accent1"/>
+            </a:effectRef>
+            <a:fontRef idx="minor">
+              <a:schemeClr val="lt1"/>
+            </a:fontRef>
+          </p:style>
+          <p:txBody>
+            <a:bodyPr rtlCol="0" anchor="ctr"/>
+            <a:lstStyle/>
+            <a:p>
+              <a:pPr algn="ctr"/>
+              <a:endParaRPr lang="en-US"/>
+            </a:p>
+          </p:txBody>
+        </p:sp>
+        <p:sp>
+          <p:nvSpPr>
+            <p:cNvPr id="154" name="Can 153">
+              <a:extLst>
+                <a:ext uri="{FF2B5EF4-FFF2-40B4-BE49-F238E27FC236}">
+                  <a16:creationId xmlns:a16="http://schemas.microsoft.com/office/drawing/2014/main" id="{5E9773DC-C075-0F46-8A7E-713864FACD5D}"/>
+                </a:ext>
+              </a:extLst>
+            </p:cNvPr>
+            <p:cNvSpPr/>
+            <p:nvPr/>
+          </p:nvSpPr>
+          <p:spPr>
+            <a:xfrm>
+              <a:off x="1993271" y="4332506"/>
+              <a:ext cx="64008" cy="320040"/>
+            </a:xfrm>
+            <a:prstGeom prst="can">
+              <a:avLst/>
+            </a:prstGeom>
+            <a:solidFill>
+              <a:srgbClr val="E69E01"/>
+            </a:solidFill>
+            <a:ln>
+              <a:solidFill>
+                <a:schemeClr val="tx1">
+                  <a:lumMod val="50000"/>
+                  <a:lumOff val="50000"/>
+                </a:schemeClr>
+              </a:solidFill>
+            </a:ln>
+            <a:effectLst/>
+          </p:spPr>
+          <p:style>
+            <a:lnRef idx="2">
+              <a:schemeClr val="accent1">
+                <a:shade val="50000"/>
+              </a:schemeClr>
+            </a:lnRef>
+            <a:fillRef idx="1">
+              <a:schemeClr val="accent1"/>
+            </a:fillRef>
+            <a:effectRef idx="0">
+              <a:schemeClr val="accent1"/>
+            </a:effectRef>
+            <a:fontRef idx="minor">
+              <a:schemeClr val="lt1"/>
+            </a:fontRef>
+          </p:style>
+          <p:txBody>
+            <a:bodyPr rtlCol="0" anchor="ctr"/>
+            <a:lstStyle/>
+            <a:p>
+              <a:pPr algn="ctr"/>
+              <a:endParaRPr lang="en-US"/>
+            </a:p>
+          </p:txBody>
+        </p:sp>
+        <p:sp>
+          <p:nvSpPr>
+            <p:cNvPr id="155" name="Can 154">
+              <a:extLst>
+                <a:ext uri="{FF2B5EF4-FFF2-40B4-BE49-F238E27FC236}">
+                  <a16:creationId xmlns:a16="http://schemas.microsoft.com/office/drawing/2014/main" id="{26BBA493-42AF-0549-817F-8E1CABF94678}"/>
+                </a:ext>
+              </a:extLst>
+            </p:cNvPr>
+            <p:cNvSpPr/>
+            <p:nvPr/>
+          </p:nvSpPr>
+          <p:spPr>
+            <a:xfrm>
+              <a:off x="2087763" y="4332506"/>
+              <a:ext cx="64008" cy="320040"/>
+            </a:xfrm>
+            <a:prstGeom prst="can">
+              <a:avLst/>
+            </a:prstGeom>
+            <a:solidFill>
+              <a:srgbClr val="E69E01"/>
+            </a:solidFill>
+            <a:ln>
+              <a:solidFill>
+                <a:schemeClr val="tx1">
+                  <a:lumMod val="50000"/>
+                  <a:lumOff val="50000"/>
+                </a:schemeClr>
+              </a:solidFill>
+            </a:ln>
+            <a:effectLst/>
+          </p:spPr>
+          <p:style>
+            <a:lnRef idx="2">
+              <a:schemeClr val="accent1">
+                <a:shade val="50000"/>
+              </a:schemeClr>
+            </a:lnRef>
+            <a:fillRef idx="1">
+              <a:schemeClr val="accent1"/>
+            </a:fillRef>
+            <a:effectRef idx="0">
+              <a:schemeClr val="accent1"/>
+            </a:effectRef>
+            <a:fontRef idx="minor">
+              <a:schemeClr val="lt1"/>
+            </a:fontRef>
+          </p:style>
+          <p:txBody>
+            <a:bodyPr rtlCol="0" anchor="ctr"/>
+            <a:lstStyle/>
+            <a:p>
+              <a:pPr algn="ctr"/>
+              <a:endParaRPr lang="en-US"/>
+            </a:p>
+          </p:txBody>
+        </p:sp>
+        <p:sp>
+          <p:nvSpPr>
+            <p:cNvPr id="156" name="Can 155">
+              <a:extLst>
+                <a:ext uri="{FF2B5EF4-FFF2-40B4-BE49-F238E27FC236}">
+                  <a16:creationId xmlns:a16="http://schemas.microsoft.com/office/drawing/2014/main" id="{4597837D-870E-424B-8D5C-145EDF1B4072}"/>
+                </a:ext>
+              </a:extLst>
+            </p:cNvPr>
+            <p:cNvSpPr/>
+            <p:nvPr/>
+          </p:nvSpPr>
+          <p:spPr>
+            <a:xfrm>
+              <a:off x="1993271" y="4716376"/>
+              <a:ext cx="64008" cy="320040"/>
+            </a:xfrm>
+            <a:prstGeom prst="can">
+              <a:avLst/>
+            </a:prstGeom>
+            <a:solidFill>
+              <a:srgbClr val="55B4EA"/>
+            </a:solidFill>
+            <a:ln>
+              <a:solidFill>
+                <a:schemeClr val="tx1">
+                  <a:lumMod val="50000"/>
+                  <a:lumOff val="50000"/>
+                </a:schemeClr>
+              </a:solidFill>
+            </a:ln>
+            <a:effectLst/>
+          </p:spPr>
+          <p:style>
+            <a:lnRef idx="2">
+              <a:schemeClr val="accent1">
+                <a:shade val="50000"/>
+              </a:schemeClr>
+            </a:lnRef>
+            <a:fillRef idx="1">
+              <a:schemeClr val="accent1"/>
+            </a:fillRef>
+            <a:effectRef idx="0">
+              <a:schemeClr val="accent1"/>
+            </a:effectRef>
+            <a:fontRef idx="minor">
+              <a:schemeClr val="lt1"/>
+            </a:fontRef>
+          </p:style>
+          <p:txBody>
+            <a:bodyPr rtlCol="0" anchor="ctr"/>
+            <a:lstStyle/>
+            <a:p>
+              <a:pPr algn="ctr"/>
+              <a:endParaRPr lang="en-US"/>
+            </a:p>
+          </p:txBody>
+        </p:sp>
+        <p:sp>
+          <p:nvSpPr>
+            <p:cNvPr id="157" name="Can 156">
+              <a:extLst>
+                <a:ext uri="{FF2B5EF4-FFF2-40B4-BE49-F238E27FC236}">
+                  <a16:creationId xmlns:a16="http://schemas.microsoft.com/office/drawing/2014/main" id="{57B6B93C-9904-3B40-8219-BAB63B8F5767}"/>
+                </a:ext>
+              </a:extLst>
+            </p:cNvPr>
+            <p:cNvSpPr/>
+            <p:nvPr/>
+          </p:nvSpPr>
+          <p:spPr>
+            <a:xfrm>
+              <a:off x="2087763" y="4716376"/>
+              <a:ext cx="64008" cy="320040"/>
+            </a:xfrm>
+            <a:prstGeom prst="can">
+              <a:avLst/>
+            </a:prstGeom>
+            <a:solidFill>
+              <a:srgbClr val="55B4EA"/>
+            </a:solidFill>
+            <a:ln>
+              <a:solidFill>
+                <a:schemeClr val="tx1">
+                  <a:lumMod val="50000"/>
+                  <a:lumOff val="50000"/>
+                </a:schemeClr>
+              </a:solidFill>
+            </a:ln>
+            <a:effectLst/>
+          </p:spPr>
+          <p:style>
+            <a:lnRef idx="2">
+              <a:schemeClr val="accent1">
+                <a:shade val="50000"/>
+              </a:schemeClr>
+            </a:lnRef>
+            <a:fillRef idx="1">
+              <a:schemeClr val="accent1"/>
+            </a:fillRef>
+            <a:effectRef idx="0">
+              <a:schemeClr val="accent1"/>
+            </a:effectRef>
+            <a:fontRef idx="minor">
+              <a:schemeClr val="lt1"/>
+            </a:fontRef>
+          </p:style>
+          <p:txBody>
+            <a:bodyPr rtlCol="0" anchor="ctr"/>
+            <a:lstStyle/>
+            <a:p>
+              <a:pPr algn="ctr"/>
+              <a:endParaRPr lang="en-US"/>
+            </a:p>
+          </p:txBody>
+        </p:sp>
+      </p:grpSp>
+      <p:grpSp>
+        <p:nvGrpSpPr>
+          <p:cNvPr id="29" name="Group 28">
+            <a:extLst>
+              <a:ext uri="{FF2B5EF4-FFF2-40B4-BE49-F238E27FC236}">
+                <a16:creationId xmlns:a16="http://schemas.microsoft.com/office/drawing/2014/main" id="{3DCB9B52-8F21-7344-9D87-A9F3F152FAC4}"/>
+              </a:ext>
+            </a:extLst>
+          </p:cNvPr>
+          <p:cNvGrpSpPr/>
+          <p:nvPr/>
+        </p:nvGrpSpPr>
+        <p:grpSpPr>
+          <a:xfrm>
+            <a:off x="2149676" y="4379731"/>
+            <a:ext cx="721388" cy="1890260"/>
+            <a:chOff x="2281941" y="3136476"/>
+            <a:chExt cx="721388" cy="1890260"/>
+          </a:xfrm>
+        </p:grpSpPr>
+        <p:sp>
+          <p:nvSpPr>
+            <p:cNvPr id="99" name="TextBox 98">
+              <a:extLst>
+                <a:ext uri="{FF2B5EF4-FFF2-40B4-BE49-F238E27FC236}">
+                  <a16:creationId xmlns:a16="http://schemas.microsoft.com/office/drawing/2014/main" id="{B360B12C-46AC-2D4C-B32B-DB680E4F8D76}"/>
+                </a:ext>
+              </a:extLst>
+            </p:cNvPr>
+            <p:cNvSpPr txBox="1"/>
+            <p:nvPr/>
+          </p:nvSpPr>
+          <p:spPr>
+            <a:xfrm>
+              <a:off x="2518094" y="3136476"/>
+              <a:ext cx="408631" cy="338554"/>
+            </a:xfrm>
+            <a:prstGeom prst="rect">
+              <a:avLst/>
+            </a:prstGeom>
+            <a:noFill/>
+          </p:spPr>
+          <p:txBody>
+            <a:bodyPr wrap="square" rtlCol="0">
+              <a:spAutoFit/>
+            </a:bodyPr>
+            <a:lstStyle/>
+            <a:p>
+              <a:r>
+                <a:rPr lang="en-US" sz="1600" dirty="0">
+                  <a:latin typeface="Arial" panose="020B0604020202020204" pitchFamily="34" charset="0"/>
+                  <a:ea typeface="Arial" charset="0"/>
+                  <a:cs typeface="Arial" panose="020B0604020202020204" pitchFamily="34" charset="0"/>
+                </a:rPr>
+                <a:t>♀</a:t>
+              </a:r>
+              <a:r>
+                <a:rPr lang="en-US" sz="1400" baseline="-25000" dirty="0">
+                  <a:latin typeface="Arial" panose="020B0604020202020204" pitchFamily="34" charset="0"/>
+                  <a:ea typeface="Arial" charset="0"/>
+                  <a:cs typeface="Arial" panose="020B0604020202020204" pitchFamily="34" charset="0"/>
+                </a:rPr>
+                <a:t>2</a:t>
+              </a:r>
+            </a:p>
+          </p:txBody>
+        </p:sp>
+        <p:cxnSp>
+          <p:nvCxnSpPr>
+            <p:cNvPr id="158" name="Straight Connector 157">
+              <a:extLst>
+                <a:ext uri="{FF2B5EF4-FFF2-40B4-BE49-F238E27FC236}">
+                  <a16:creationId xmlns:a16="http://schemas.microsoft.com/office/drawing/2014/main" id="{DE8D0726-B10D-314D-B3B1-047F91387F86}"/>
+                </a:ext>
+              </a:extLst>
+            </p:cNvPr>
+            <p:cNvCxnSpPr>
+              <a:cxnSpLocks/>
+            </p:cNvCxnSpPr>
+            <p:nvPr/>
+          </p:nvCxnSpPr>
+          <p:spPr>
+            <a:xfrm flipH="1">
+              <a:off x="2376433" y="3449418"/>
+              <a:ext cx="305464" cy="391933"/>
+            </a:xfrm>
+            <a:prstGeom prst="line">
+              <a:avLst/>
+            </a:prstGeom>
+            <a:ln>
+              <a:solidFill>
+                <a:schemeClr val="tx1">
+                  <a:lumMod val="65000"/>
+                  <a:lumOff val="35000"/>
+                </a:schemeClr>
+              </a:solidFill>
+            </a:ln>
+          </p:spPr>
+          <p:style>
+            <a:lnRef idx="1">
+              <a:schemeClr val="dk1"/>
+            </a:lnRef>
+            <a:fillRef idx="0">
+              <a:schemeClr val="dk1"/>
+            </a:fillRef>
+            <a:effectRef idx="0">
+              <a:schemeClr val="dk1"/>
+            </a:effectRef>
+            <a:fontRef idx="minor">
+              <a:schemeClr val="tx1"/>
+            </a:fontRef>
+          </p:style>
+        </p:cxnSp>
+        <p:cxnSp>
+          <p:nvCxnSpPr>
+            <p:cNvPr id="159" name="Straight Connector 158">
+              <a:extLst>
+                <a:ext uri="{FF2B5EF4-FFF2-40B4-BE49-F238E27FC236}">
+                  <a16:creationId xmlns:a16="http://schemas.microsoft.com/office/drawing/2014/main" id="{C5D6E80C-691C-1841-B034-9B6D3CEEA964}"/>
+                </a:ext>
+              </a:extLst>
+            </p:cNvPr>
+            <p:cNvCxnSpPr>
+              <a:cxnSpLocks/>
+            </p:cNvCxnSpPr>
+            <p:nvPr/>
+          </p:nvCxnSpPr>
+          <p:spPr>
+            <a:xfrm flipH="1">
+              <a:off x="2636140" y="3449418"/>
+              <a:ext cx="45758" cy="435566"/>
+            </a:xfrm>
+            <a:prstGeom prst="line">
+              <a:avLst/>
+            </a:prstGeom>
+            <a:ln>
+              <a:solidFill>
+                <a:schemeClr val="tx1">
+                  <a:lumMod val="65000"/>
+                  <a:lumOff val="35000"/>
+                </a:schemeClr>
+              </a:solidFill>
+            </a:ln>
+          </p:spPr>
+          <p:style>
+            <a:lnRef idx="1">
+              <a:schemeClr val="dk1"/>
+            </a:lnRef>
+            <a:fillRef idx="0">
+              <a:schemeClr val="dk1"/>
+            </a:fillRef>
+            <a:effectRef idx="0">
+              <a:schemeClr val="dk1"/>
+            </a:effectRef>
+            <a:fontRef idx="minor">
+              <a:schemeClr val="tx1"/>
+            </a:fontRef>
+          </p:style>
+        </p:cxnSp>
+        <p:cxnSp>
+          <p:nvCxnSpPr>
+            <p:cNvPr id="160" name="Straight Connector 159">
+              <a:extLst>
+                <a:ext uri="{FF2B5EF4-FFF2-40B4-BE49-F238E27FC236}">
+                  <a16:creationId xmlns:a16="http://schemas.microsoft.com/office/drawing/2014/main" id="{E45ED206-FF3A-CD4C-8562-3B4D322D40E2}"/>
+                </a:ext>
+              </a:extLst>
+            </p:cNvPr>
+            <p:cNvCxnSpPr>
+              <a:cxnSpLocks/>
+            </p:cNvCxnSpPr>
+            <p:nvPr/>
+          </p:nvCxnSpPr>
+          <p:spPr>
+            <a:xfrm>
+              <a:off x="2681897" y="3449418"/>
+              <a:ext cx="226940" cy="422549"/>
+            </a:xfrm>
+            <a:prstGeom prst="line">
+              <a:avLst/>
+            </a:prstGeom>
+            <a:ln>
+              <a:solidFill>
+                <a:schemeClr val="tx1">
+                  <a:lumMod val="65000"/>
+                  <a:lumOff val="35000"/>
+                </a:schemeClr>
+              </a:solidFill>
+            </a:ln>
+          </p:spPr>
+          <p:style>
+            <a:lnRef idx="1">
+              <a:schemeClr val="dk1"/>
+            </a:lnRef>
+            <a:fillRef idx="0">
+              <a:schemeClr val="dk1"/>
+            </a:fillRef>
+            <a:effectRef idx="0">
+              <a:schemeClr val="dk1"/>
+            </a:effectRef>
+            <a:fontRef idx="minor">
+              <a:schemeClr val="tx1"/>
+            </a:fontRef>
+          </p:style>
+        </p:cxnSp>
+        <p:grpSp>
+          <p:nvGrpSpPr>
+            <p:cNvPr id="161" name="Group 160">
+              <a:extLst>
+                <a:ext uri="{FF2B5EF4-FFF2-40B4-BE49-F238E27FC236}">
+                  <a16:creationId xmlns:a16="http://schemas.microsoft.com/office/drawing/2014/main" id="{B4C0A47A-7CB7-8142-AB1C-02EA31D6C624}"/>
+                </a:ext>
+              </a:extLst>
+            </p:cNvPr>
+            <p:cNvGrpSpPr/>
+            <p:nvPr/>
+          </p:nvGrpSpPr>
+          <p:grpSpPr>
+            <a:xfrm>
+              <a:off x="2560525" y="3938210"/>
+              <a:ext cx="158500" cy="1087780"/>
+              <a:chOff x="1993271" y="3948636"/>
+              <a:chExt cx="158500" cy="1087780"/>
+            </a:xfrm>
+          </p:grpSpPr>
+          <p:sp>
+            <p:nvSpPr>
+              <p:cNvPr id="162" name="Can 161">
+                <a:extLst>
+                  <a:ext uri="{FF2B5EF4-FFF2-40B4-BE49-F238E27FC236}">
+                    <a16:creationId xmlns:a16="http://schemas.microsoft.com/office/drawing/2014/main" id="{4EF63E36-B4D7-1048-84AD-4F415FDA1359}"/>
+                  </a:ext>
+                </a:extLst>
+              </p:cNvPr>
+              <p:cNvSpPr/>
+              <p:nvPr/>
+            </p:nvSpPr>
+            <p:spPr>
+              <a:xfrm>
+                <a:off x="1993271" y="3948636"/>
+                <a:ext cx="64008" cy="320040"/>
+              </a:xfrm>
+              <a:prstGeom prst="can">
+                <a:avLst/>
+              </a:prstGeom>
+              <a:solidFill>
+                <a:srgbClr val="999999"/>
+              </a:solidFill>
+              <a:ln>
+                <a:solidFill>
+                  <a:schemeClr val="tx1">
+                    <a:lumMod val="50000"/>
+                    <a:lumOff val="50000"/>
+                  </a:schemeClr>
+                </a:solidFill>
+              </a:ln>
+              <a:effectLst/>
+            </p:spPr>
+            <p:style>
+              <a:lnRef idx="2">
+                <a:schemeClr val="accent1">
+                  <a:shade val="50000"/>
+                </a:schemeClr>
+              </a:lnRef>
+              <a:fillRef idx="1">
+                <a:schemeClr val="accent1"/>
+              </a:fillRef>
+              <a:effectRef idx="0">
+                <a:schemeClr val="accent1"/>
+              </a:effectRef>
+              <a:fontRef idx="minor">
+                <a:schemeClr val="lt1"/>
+              </a:fontRef>
+            </p:style>
+            <p:txBody>
+              <a:bodyPr rtlCol="0" anchor="ctr"/>
+              <a:lstStyle/>
+              <a:p>
+                <a:pPr algn="ctr"/>
+                <a:endParaRPr lang="en-US"/>
+              </a:p>
+            </p:txBody>
+          </p:sp>
+          <p:sp>
+            <p:nvSpPr>
+              <p:cNvPr id="163" name="Can 162">
+                <a:extLst>
+                  <a:ext uri="{FF2B5EF4-FFF2-40B4-BE49-F238E27FC236}">
+                    <a16:creationId xmlns:a16="http://schemas.microsoft.com/office/drawing/2014/main" id="{2F15A2C2-E758-B841-B9F2-5BE79CF705E4}"/>
+                  </a:ext>
+                </a:extLst>
+              </p:cNvPr>
+              <p:cNvSpPr/>
+              <p:nvPr/>
+            </p:nvSpPr>
+            <p:spPr>
+              <a:xfrm>
+                <a:off x="2087763" y="3948636"/>
+                <a:ext cx="64008" cy="320040"/>
+              </a:xfrm>
+              <a:prstGeom prst="can">
+                <a:avLst/>
+              </a:prstGeom>
+              <a:solidFill>
+                <a:srgbClr val="999999"/>
+              </a:solidFill>
+              <a:ln>
+                <a:solidFill>
+                  <a:schemeClr val="tx1">
+                    <a:lumMod val="50000"/>
+                    <a:lumOff val="50000"/>
+                  </a:schemeClr>
+                </a:solidFill>
+              </a:ln>
+              <a:effectLst/>
+            </p:spPr>
+            <p:style>
+              <a:lnRef idx="2">
+                <a:schemeClr val="accent1">
+                  <a:shade val="50000"/>
+                </a:schemeClr>
+              </a:lnRef>
+              <a:fillRef idx="1">
+                <a:schemeClr val="accent1"/>
+              </a:fillRef>
+              <a:effectRef idx="0">
+                <a:schemeClr val="accent1"/>
+              </a:effectRef>
+              <a:fontRef idx="minor">
+                <a:schemeClr val="lt1"/>
+              </a:fontRef>
+            </p:style>
+            <p:txBody>
+              <a:bodyPr rtlCol="0" anchor="ctr"/>
+              <a:lstStyle/>
+              <a:p>
+                <a:pPr algn="ctr"/>
+                <a:endParaRPr lang="en-US"/>
+              </a:p>
+            </p:txBody>
+          </p:sp>
+          <p:sp>
+            <p:nvSpPr>
+              <p:cNvPr id="166" name="Can 165">
+                <a:extLst>
+                  <a:ext uri="{FF2B5EF4-FFF2-40B4-BE49-F238E27FC236}">
+                    <a16:creationId xmlns:a16="http://schemas.microsoft.com/office/drawing/2014/main" id="{4075ECEE-2546-924F-88E2-2D538EE42628}"/>
+                  </a:ext>
+                </a:extLst>
+              </p:cNvPr>
+              <p:cNvSpPr/>
+              <p:nvPr/>
+            </p:nvSpPr>
+            <p:spPr>
+              <a:xfrm>
+                <a:off x="1993271" y="4332506"/>
+                <a:ext cx="64008" cy="320040"/>
+              </a:xfrm>
+              <a:prstGeom prst="can">
+                <a:avLst/>
+              </a:prstGeom>
+              <a:solidFill>
+                <a:srgbClr val="E69E01"/>
+              </a:solidFill>
+              <a:ln>
+                <a:solidFill>
+                  <a:schemeClr val="tx1">
+                    <a:lumMod val="50000"/>
+                    <a:lumOff val="50000"/>
+                  </a:schemeClr>
+                </a:solidFill>
+              </a:ln>
+              <a:effectLst/>
+            </p:spPr>
+            <p:style>
+              <a:lnRef idx="2">
+                <a:schemeClr val="accent1">
+                  <a:shade val="50000"/>
+                </a:schemeClr>
+              </a:lnRef>
+              <a:fillRef idx="1">
+                <a:schemeClr val="accent1"/>
+              </a:fillRef>
+              <a:effectRef idx="0">
+                <a:schemeClr val="accent1"/>
+              </a:effectRef>
+              <a:fontRef idx="minor">
+                <a:schemeClr val="lt1"/>
+              </a:fontRef>
+            </p:style>
+            <p:txBody>
+              <a:bodyPr rtlCol="0" anchor="ctr"/>
+              <a:lstStyle/>
+              <a:p>
+                <a:pPr algn="ctr"/>
+                <a:endParaRPr lang="en-US"/>
+              </a:p>
+            </p:txBody>
+          </p:sp>
+          <p:sp>
+            <p:nvSpPr>
+              <p:cNvPr id="167" name="Can 166">
+                <a:extLst>
+                  <a:ext uri="{FF2B5EF4-FFF2-40B4-BE49-F238E27FC236}">
+                    <a16:creationId xmlns:a16="http://schemas.microsoft.com/office/drawing/2014/main" id="{557FC3F0-2368-8044-B21D-C813299A1C06}"/>
+                  </a:ext>
+                </a:extLst>
+              </p:cNvPr>
+              <p:cNvSpPr/>
+              <p:nvPr/>
+            </p:nvSpPr>
+            <p:spPr>
+              <a:xfrm>
+                <a:off x="2087763" y="4332506"/>
+                <a:ext cx="64008" cy="320040"/>
+              </a:xfrm>
+              <a:prstGeom prst="can">
+                <a:avLst/>
+              </a:prstGeom>
+              <a:solidFill>
+                <a:srgbClr val="E69E01"/>
+              </a:solidFill>
+              <a:ln>
+                <a:solidFill>
+                  <a:schemeClr val="tx1">
+                    <a:lumMod val="50000"/>
+                    <a:lumOff val="50000"/>
+                  </a:schemeClr>
+                </a:solidFill>
+              </a:ln>
+              <a:effectLst/>
+            </p:spPr>
+            <p:style>
+              <a:lnRef idx="2">
+                <a:schemeClr val="accent1">
+                  <a:shade val="50000"/>
+                </a:schemeClr>
+              </a:lnRef>
+              <a:fillRef idx="1">
+                <a:schemeClr val="accent1"/>
+              </a:fillRef>
+              <a:effectRef idx="0">
+                <a:schemeClr val="accent1"/>
+              </a:effectRef>
+              <a:fontRef idx="minor">
+                <a:schemeClr val="lt1"/>
+              </a:fontRef>
+            </p:style>
+            <p:txBody>
+              <a:bodyPr rtlCol="0" anchor="ctr"/>
+              <a:lstStyle/>
+              <a:p>
+                <a:pPr algn="ctr"/>
+                <a:endParaRPr lang="en-US"/>
+              </a:p>
+            </p:txBody>
+          </p:sp>
+          <p:sp>
+            <p:nvSpPr>
+              <p:cNvPr id="168" name="Can 167">
+                <a:extLst>
+                  <a:ext uri="{FF2B5EF4-FFF2-40B4-BE49-F238E27FC236}">
+                    <a16:creationId xmlns:a16="http://schemas.microsoft.com/office/drawing/2014/main" id="{9E4DB968-F4A6-8849-A909-DD7AA0B7A2B3}"/>
+                  </a:ext>
+                </a:extLst>
+              </p:cNvPr>
+              <p:cNvSpPr/>
+              <p:nvPr/>
+            </p:nvSpPr>
+            <p:spPr>
+              <a:xfrm>
+                <a:off x="1993271" y="4716376"/>
+                <a:ext cx="64008" cy="320040"/>
+              </a:xfrm>
+              <a:prstGeom prst="can">
+                <a:avLst/>
+              </a:prstGeom>
+              <a:solidFill>
+                <a:srgbClr val="55B4EA"/>
+              </a:solidFill>
+              <a:ln>
+                <a:solidFill>
+                  <a:schemeClr val="tx1">
+                    <a:lumMod val="50000"/>
+                    <a:lumOff val="50000"/>
+                  </a:schemeClr>
+                </a:solidFill>
+              </a:ln>
+              <a:effectLst/>
+            </p:spPr>
+            <p:style>
+              <a:lnRef idx="2">
+                <a:schemeClr val="accent1">
+                  <a:shade val="50000"/>
+                </a:schemeClr>
+              </a:lnRef>
+              <a:fillRef idx="1">
+                <a:schemeClr val="accent1"/>
+              </a:fillRef>
+              <a:effectRef idx="0">
+                <a:schemeClr val="accent1"/>
+              </a:effectRef>
+              <a:fontRef idx="minor">
+                <a:schemeClr val="lt1"/>
+              </a:fontRef>
+            </p:style>
+            <p:txBody>
+              <a:bodyPr rtlCol="0" anchor="ctr"/>
+              <a:lstStyle/>
+              <a:p>
+                <a:pPr algn="ctr"/>
+                <a:endParaRPr lang="en-US"/>
+              </a:p>
+            </p:txBody>
+          </p:sp>
+          <p:sp>
+            <p:nvSpPr>
+              <p:cNvPr id="169" name="Can 168">
+                <a:extLst>
+                  <a:ext uri="{FF2B5EF4-FFF2-40B4-BE49-F238E27FC236}">
+                    <a16:creationId xmlns:a16="http://schemas.microsoft.com/office/drawing/2014/main" id="{55760696-8F38-9142-BA21-E69CBA9FB187}"/>
+                  </a:ext>
+                </a:extLst>
+              </p:cNvPr>
+              <p:cNvSpPr/>
+              <p:nvPr/>
+            </p:nvSpPr>
+            <p:spPr>
+              <a:xfrm>
+                <a:off x="2087763" y="4716376"/>
+                <a:ext cx="64008" cy="320040"/>
+              </a:xfrm>
+              <a:prstGeom prst="can">
+                <a:avLst/>
+              </a:prstGeom>
+              <a:solidFill>
+                <a:srgbClr val="55B4EA"/>
+              </a:solidFill>
+              <a:ln>
+                <a:solidFill>
+                  <a:schemeClr val="tx1">
+                    <a:lumMod val="50000"/>
+                    <a:lumOff val="50000"/>
+                  </a:schemeClr>
+                </a:solidFill>
+              </a:ln>
+              <a:effectLst/>
+            </p:spPr>
+            <p:style>
+              <a:lnRef idx="2">
+                <a:schemeClr val="accent1">
+                  <a:shade val="50000"/>
+                </a:schemeClr>
+              </a:lnRef>
+              <a:fillRef idx="1">
+                <a:schemeClr val="accent1"/>
+              </a:fillRef>
+              <a:effectRef idx="0">
+                <a:schemeClr val="accent1"/>
+              </a:effectRef>
+              <a:fontRef idx="minor">
+                <a:schemeClr val="lt1"/>
+              </a:fontRef>
+            </p:style>
+            <p:txBody>
+              <a:bodyPr rtlCol="0" anchor="ctr"/>
+              <a:lstStyle/>
+              <a:p>
+                <a:pPr algn="ctr"/>
+                <a:endParaRPr lang="en-US"/>
+              </a:p>
+            </p:txBody>
+          </p:sp>
+        </p:grpSp>
+        <p:grpSp>
+          <p:nvGrpSpPr>
+            <p:cNvPr id="170" name="Group 169">
+              <a:extLst>
+                <a:ext uri="{FF2B5EF4-FFF2-40B4-BE49-F238E27FC236}">
+                  <a16:creationId xmlns:a16="http://schemas.microsoft.com/office/drawing/2014/main" id="{DC1FC9B4-3747-844B-895B-F8DD6239396E}"/>
+                </a:ext>
+              </a:extLst>
+            </p:cNvPr>
+            <p:cNvGrpSpPr/>
+            <p:nvPr/>
+          </p:nvGrpSpPr>
+          <p:grpSpPr>
+            <a:xfrm>
+              <a:off x="2844829" y="3938956"/>
+              <a:ext cx="158500" cy="1087780"/>
+              <a:chOff x="1993271" y="3948636"/>
+              <a:chExt cx="158500" cy="1087780"/>
+            </a:xfrm>
+          </p:grpSpPr>
+          <p:sp>
+            <p:nvSpPr>
+              <p:cNvPr id="171" name="Can 170">
+                <a:extLst>
+                  <a:ext uri="{FF2B5EF4-FFF2-40B4-BE49-F238E27FC236}">
+                    <a16:creationId xmlns:a16="http://schemas.microsoft.com/office/drawing/2014/main" id="{6C5AFA77-3E5A-EC43-9625-441E8BC7D4E8}"/>
+                  </a:ext>
+                </a:extLst>
+              </p:cNvPr>
+              <p:cNvSpPr/>
+              <p:nvPr/>
+            </p:nvSpPr>
+            <p:spPr>
+              <a:xfrm>
+                <a:off x="1993271" y="3948636"/>
+                <a:ext cx="64008" cy="320040"/>
+              </a:xfrm>
+              <a:prstGeom prst="can">
+                <a:avLst/>
+              </a:prstGeom>
+              <a:solidFill>
+                <a:srgbClr val="999999"/>
+              </a:solidFill>
+              <a:ln>
+                <a:solidFill>
+                  <a:schemeClr val="tx1">
+                    <a:lumMod val="50000"/>
+                    <a:lumOff val="50000"/>
+                  </a:schemeClr>
+                </a:solidFill>
+              </a:ln>
+              <a:effectLst/>
+            </p:spPr>
+            <p:style>
+              <a:lnRef idx="2">
+                <a:schemeClr val="accent1">
+                  <a:shade val="50000"/>
+                </a:schemeClr>
+              </a:lnRef>
+              <a:fillRef idx="1">
+                <a:schemeClr val="accent1"/>
+              </a:fillRef>
+              <a:effectRef idx="0">
+                <a:schemeClr val="accent1"/>
+              </a:effectRef>
+              <a:fontRef idx="minor">
+                <a:schemeClr val="lt1"/>
+              </a:fontRef>
+            </p:style>
+            <p:txBody>
+              <a:bodyPr rtlCol="0" anchor="ctr"/>
+              <a:lstStyle/>
+              <a:p>
+                <a:pPr algn="ctr"/>
+                <a:endParaRPr lang="en-US"/>
+              </a:p>
+            </p:txBody>
+          </p:sp>
+          <p:sp>
+            <p:nvSpPr>
+              <p:cNvPr id="172" name="Can 171">
+                <a:extLst>
+                  <a:ext uri="{FF2B5EF4-FFF2-40B4-BE49-F238E27FC236}">
+                    <a16:creationId xmlns:a16="http://schemas.microsoft.com/office/drawing/2014/main" id="{3956B8DF-D74C-E745-9521-4FCEF6E71EA5}"/>
+                  </a:ext>
+                </a:extLst>
+              </p:cNvPr>
+              <p:cNvSpPr/>
+              <p:nvPr/>
+            </p:nvSpPr>
+            <p:spPr>
+              <a:xfrm>
+                <a:off x="2087763" y="3948636"/>
+                <a:ext cx="64008" cy="320040"/>
+              </a:xfrm>
+              <a:prstGeom prst="can">
+                <a:avLst/>
+              </a:prstGeom>
+              <a:solidFill>
+                <a:srgbClr val="999999"/>
+              </a:solidFill>
+              <a:ln>
+                <a:solidFill>
+                  <a:schemeClr val="tx1">
+                    <a:lumMod val="50000"/>
+                    <a:lumOff val="50000"/>
+                  </a:schemeClr>
+                </a:solidFill>
+              </a:ln>
+              <a:effectLst/>
+            </p:spPr>
+            <p:style>
+              <a:lnRef idx="2">
+                <a:schemeClr val="accent1">
+                  <a:shade val="50000"/>
+                </a:schemeClr>
+              </a:lnRef>
+              <a:fillRef idx="1">
+                <a:schemeClr val="accent1"/>
+              </a:fillRef>
+              <a:effectRef idx="0">
+                <a:schemeClr val="accent1"/>
+              </a:effectRef>
+              <a:fontRef idx="minor">
+                <a:schemeClr val="lt1"/>
+              </a:fontRef>
+            </p:style>
+            <p:txBody>
+              <a:bodyPr rtlCol="0" anchor="ctr"/>
+              <a:lstStyle/>
+              <a:p>
+                <a:pPr algn="ctr"/>
+                <a:endParaRPr lang="en-US"/>
+              </a:p>
+            </p:txBody>
+          </p:sp>
+          <p:sp>
+            <p:nvSpPr>
+              <p:cNvPr id="173" name="Can 172">
+                <a:extLst>
+                  <a:ext uri="{FF2B5EF4-FFF2-40B4-BE49-F238E27FC236}">
+                    <a16:creationId xmlns:a16="http://schemas.microsoft.com/office/drawing/2014/main" id="{96BE9B38-0732-954A-A0F6-18F9C0E90A26}"/>
+                  </a:ext>
+                </a:extLst>
+              </p:cNvPr>
+              <p:cNvSpPr/>
+              <p:nvPr/>
+            </p:nvSpPr>
+            <p:spPr>
+              <a:xfrm>
+                <a:off x="1993271" y="4332506"/>
+                <a:ext cx="64008" cy="320040"/>
+              </a:xfrm>
+              <a:prstGeom prst="can">
+                <a:avLst/>
+              </a:prstGeom>
+              <a:solidFill>
+                <a:srgbClr val="E69E01"/>
+              </a:solidFill>
+              <a:ln>
+                <a:solidFill>
+                  <a:schemeClr val="tx1">
+                    <a:lumMod val="50000"/>
+                    <a:lumOff val="50000"/>
+                  </a:schemeClr>
+                </a:solidFill>
+              </a:ln>
+              <a:effectLst/>
+            </p:spPr>
+            <p:style>
+              <a:lnRef idx="2">
+                <a:schemeClr val="accent1">
+                  <a:shade val="50000"/>
+                </a:schemeClr>
+              </a:lnRef>
+              <a:fillRef idx="1">
+                <a:schemeClr val="accent1"/>
+              </a:fillRef>
+              <a:effectRef idx="0">
+                <a:schemeClr val="accent1"/>
+              </a:effectRef>
+              <a:fontRef idx="minor">
+                <a:schemeClr val="lt1"/>
+              </a:fontRef>
+            </p:style>
+            <p:txBody>
+              <a:bodyPr rtlCol="0" anchor="ctr"/>
+              <a:lstStyle/>
+              <a:p>
+                <a:pPr algn="ctr"/>
+                <a:endParaRPr lang="en-US"/>
+              </a:p>
+            </p:txBody>
+          </p:sp>
+          <p:sp>
+            <p:nvSpPr>
+              <p:cNvPr id="174" name="Can 173">
+                <a:extLst>
+                  <a:ext uri="{FF2B5EF4-FFF2-40B4-BE49-F238E27FC236}">
+                    <a16:creationId xmlns:a16="http://schemas.microsoft.com/office/drawing/2014/main" id="{5721E415-2E81-8840-8393-F89669DC3817}"/>
+                  </a:ext>
+                </a:extLst>
+              </p:cNvPr>
+              <p:cNvSpPr/>
+              <p:nvPr/>
+            </p:nvSpPr>
+            <p:spPr>
+              <a:xfrm>
+                <a:off x="2087763" y="4332506"/>
+                <a:ext cx="64008" cy="320040"/>
+              </a:xfrm>
+              <a:prstGeom prst="can">
+                <a:avLst/>
+              </a:prstGeom>
+              <a:solidFill>
+                <a:srgbClr val="E69E01"/>
+              </a:solidFill>
+              <a:ln>
+                <a:solidFill>
+                  <a:schemeClr val="tx1">
+                    <a:lumMod val="50000"/>
+                    <a:lumOff val="50000"/>
+                  </a:schemeClr>
+                </a:solidFill>
+              </a:ln>
+              <a:effectLst/>
+            </p:spPr>
+            <p:style>
+              <a:lnRef idx="2">
+                <a:schemeClr val="accent1">
+                  <a:shade val="50000"/>
+                </a:schemeClr>
+              </a:lnRef>
+              <a:fillRef idx="1">
+                <a:schemeClr val="accent1"/>
+              </a:fillRef>
+              <a:effectRef idx="0">
+                <a:schemeClr val="accent1"/>
+              </a:effectRef>
+              <a:fontRef idx="minor">
+                <a:schemeClr val="lt1"/>
+              </a:fontRef>
+            </p:style>
+            <p:txBody>
+              <a:bodyPr rtlCol="0" anchor="ctr"/>
+              <a:lstStyle/>
+              <a:p>
+                <a:pPr algn="ctr"/>
+                <a:endParaRPr lang="en-US"/>
+              </a:p>
+            </p:txBody>
+          </p:sp>
+          <p:sp>
+            <p:nvSpPr>
+              <p:cNvPr id="175" name="Can 174">
+                <a:extLst>
+                  <a:ext uri="{FF2B5EF4-FFF2-40B4-BE49-F238E27FC236}">
+                    <a16:creationId xmlns:a16="http://schemas.microsoft.com/office/drawing/2014/main" id="{15B4E887-D90D-3846-8620-B2AB1F5A96A8}"/>
+                  </a:ext>
+                </a:extLst>
+              </p:cNvPr>
+              <p:cNvSpPr/>
+              <p:nvPr/>
+            </p:nvSpPr>
+            <p:spPr>
+              <a:xfrm>
+                <a:off x="1993271" y="4716376"/>
+                <a:ext cx="64008" cy="320040"/>
+              </a:xfrm>
+              <a:prstGeom prst="can">
+                <a:avLst/>
+              </a:prstGeom>
+              <a:solidFill>
+                <a:srgbClr val="55B4EA"/>
+              </a:solidFill>
+              <a:ln>
+                <a:solidFill>
+                  <a:schemeClr val="tx1">
+                    <a:lumMod val="50000"/>
+                    <a:lumOff val="50000"/>
+                  </a:schemeClr>
+                </a:solidFill>
+              </a:ln>
+              <a:effectLst/>
+            </p:spPr>
+            <p:style>
+              <a:lnRef idx="2">
+                <a:schemeClr val="accent1">
+                  <a:shade val="50000"/>
+                </a:schemeClr>
+              </a:lnRef>
+              <a:fillRef idx="1">
+                <a:schemeClr val="accent1"/>
+              </a:fillRef>
+              <a:effectRef idx="0">
+                <a:schemeClr val="accent1"/>
+              </a:effectRef>
+              <a:fontRef idx="minor">
+                <a:schemeClr val="lt1"/>
+              </a:fontRef>
+            </p:style>
+            <p:txBody>
+              <a:bodyPr rtlCol="0" anchor="ctr"/>
+              <a:lstStyle/>
+              <a:p>
+                <a:pPr algn="ctr"/>
+                <a:endParaRPr lang="en-US"/>
+              </a:p>
+            </p:txBody>
+          </p:sp>
+          <p:sp>
+            <p:nvSpPr>
+              <p:cNvPr id="176" name="Can 175">
+                <a:extLst>
+                  <a:ext uri="{FF2B5EF4-FFF2-40B4-BE49-F238E27FC236}">
+                    <a16:creationId xmlns:a16="http://schemas.microsoft.com/office/drawing/2014/main" id="{79E7C9BE-60BA-FE42-9612-7942CEAFA375}"/>
+                  </a:ext>
+                </a:extLst>
+              </p:cNvPr>
+              <p:cNvSpPr/>
+              <p:nvPr/>
+            </p:nvSpPr>
+            <p:spPr>
+              <a:xfrm>
+                <a:off x="2087763" y="4716376"/>
+                <a:ext cx="64008" cy="320040"/>
+              </a:xfrm>
+              <a:prstGeom prst="can">
+                <a:avLst/>
+              </a:prstGeom>
+              <a:solidFill>
+                <a:srgbClr val="55B4EA"/>
+              </a:solidFill>
+              <a:ln>
+                <a:solidFill>
+                  <a:schemeClr val="tx1">
+                    <a:lumMod val="50000"/>
+                    <a:lumOff val="50000"/>
+                  </a:schemeClr>
+                </a:solidFill>
+              </a:ln>
+              <a:effectLst/>
+            </p:spPr>
+            <p:style>
+              <a:lnRef idx="2">
+                <a:schemeClr val="accent1">
+                  <a:shade val="50000"/>
+                </a:schemeClr>
+              </a:lnRef>
+              <a:fillRef idx="1">
+                <a:schemeClr val="accent1"/>
+              </a:fillRef>
+              <a:effectRef idx="0">
+                <a:schemeClr val="accent1"/>
+              </a:effectRef>
+              <a:fontRef idx="minor">
+                <a:schemeClr val="lt1"/>
+              </a:fontRef>
+            </p:style>
+            <p:txBody>
+              <a:bodyPr rtlCol="0" anchor="ctr"/>
+              <a:lstStyle/>
+              <a:p>
+                <a:pPr algn="ctr"/>
+                <a:endParaRPr lang="en-US"/>
+              </a:p>
+            </p:txBody>
+          </p:sp>
+        </p:grpSp>
+        <p:grpSp>
+          <p:nvGrpSpPr>
+            <p:cNvPr id="177" name="Group 176">
+              <a:extLst>
+                <a:ext uri="{FF2B5EF4-FFF2-40B4-BE49-F238E27FC236}">
+                  <a16:creationId xmlns:a16="http://schemas.microsoft.com/office/drawing/2014/main" id="{3E9D49D9-2191-FD45-A289-96985956AF54}"/>
+                </a:ext>
+              </a:extLst>
+            </p:cNvPr>
+            <p:cNvGrpSpPr/>
+            <p:nvPr/>
+          </p:nvGrpSpPr>
+          <p:grpSpPr>
+            <a:xfrm>
+              <a:off x="2281941" y="3938210"/>
+              <a:ext cx="158500" cy="1087780"/>
+              <a:chOff x="1993271" y="3948636"/>
+              <a:chExt cx="158500" cy="1087780"/>
+            </a:xfrm>
+          </p:grpSpPr>
+          <p:sp>
+            <p:nvSpPr>
+              <p:cNvPr id="178" name="Can 177">
+                <a:extLst>
+                  <a:ext uri="{FF2B5EF4-FFF2-40B4-BE49-F238E27FC236}">
+                    <a16:creationId xmlns:a16="http://schemas.microsoft.com/office/drawing/2014/main" id="{47B14854-C920-3147-AD3F-BC2B5C8004D9}"/>
+                  </a:ext>
+                </a:extLst>
+              </p:cNvPr>
+              <p:cNvSpPr/>
+              <p:nvPr/>
+            </p:nvSpPr>
+            <p:spPr>
+              <a:xfrm>
+                <a:off x="1993271" y="3948636"/>
+                <a:ext cx="64008" cy="320040"/>
+              </a:xfrm>
+              <a:prstGeom prst="can">
+                <a:avLst/>
+              </a:prstGeom>
+              <a:solidFill>
+                <a:srgbClr val="999999"/>
+              </a:solidFill>
+              <a:ln>
+                <a:solidFill>
+                  <a:schemeClr val="tx1">
+                    <a:lumMod val="50000"/>
+                    <a:lumOff val="50000"/>
+                  </a:schemeClr>
+                </a:solidFill>
+              </a:ln>
+              <a:effectLst/>
+            </p:spPr>
+            <p:style>
+              <a:lnRef idx="2">
+                <a:schemeClr val="accent1">
+                  <a:shade val="50000"/>
+                </a:schemeClr>
+              </a:lnRef>
+              <a:fillRef idx="1">
+                <a:schemeClr val="accent1"/>
+              </a:fillRef>
+              <a:effectRef idx="0">
+                <a:schemeClr val="accent1"/>
+              </a:effectRef>
+              <a:fontRef idx="minor">
+                <a:schemeClr val="lt1"/>
+              </a:fontRef>
+            </p:style>
+            <p:txBody>
+              <a:bodyPr rtlCol="0" anchor="ctr"/>
+              <a:lstStyle/>
+              <a:p>
+                <a:pPr algn="ctr"/>
+                <a:endParaRPr lang="en-US"/>
+              </a:p>
+            </p:txBody>
+          </p:sp>
+          <p:sp>
+            <p:nvSpPr>
+              <p:cNvPr id="179" name="Can 178">
+                <a:extLst>
+                  <a:ext uri="{FF2B5EF4-FFF2-40B4-BE49-F238E27FC236}">
+                    <a16:creationId xmlns:a16="http://schemas.microsoft.com/office/drawing/2014/main" id="{BB841915-42E2-9943-A2EA-482D7C219029}"/>
+                  </a:ext>
+                </a:extLst>
+              </p:cNvPr>
+              <p:cNvSpPr/>
+              <p:nvPr/>
+            </p:nvSpPr>
+            <p:spPr>
+              <a:xfrm>
+                <a:off x="2087763" y="3948636"/>
+                <a:ext cx="64008" cy="320040"/>
+              </a:xfrm>
+              <a:prstGeom prst="can">
+                <a:avLst/>
+              </a:prstGeom>
+              <a:solidFill>
+                <a:srgbClr val="999999"/>
+              </a:solidFill>
+              <a:ln>
+                <a:solidFill>
+                  <a:schemeClr val="tx1">
+                    <a:lumMod val="50000"/>
+                    <a:lumOff val="50000"/>
+                  </a:schemeClr>
+                </a:solidFill>
+              </a:ln>
+              <a:effectLst/>
+            </p:spPr>
+            <p:style>
+              <a:lnRef idx="2">
+                <a:schemeClr val="accent1">
+                  <a:shade val="50000"/>
+                </a:schemeClr>
+              </a:lnRef>
+              <a:fillRef idx="1">
+                <a:schemeClr val="accent1"/>
+              </a:fillRef>
+              <a:effectRef idx="0">
+                <a:schemeClr val="accent1"/>
+              </a:effectRef>
+              <a:fontRef idx="minor">
+                <a:schemeClr val="lt1"/>
+              </a:fontRef>
+            </p:style>
+            <p:txBody>
+              <a:bodyPr rtlCol="0" anchor="ctr"/>
+              <a:lstStyle/>
+              <a:p>
+                <a:pPr algn="ctr"/>
+                <a:endParaRPr lang="en-US"/>
+              </a:p>
+            </p:txBody>
+          </p:sp>
+          <p:sp>
+            <p:nvSpPr>
+              <p:cNvPr id="180" name="Can 179">
+                <a:extLst>
+                  <a:ext uri="{FF2B5EF4-FFF2-40B4-BE49-F238E27FC236}">
+                    <a16:creationId xmlns:a16="http://schemas.microsoft.com/office/drawing/2014/main" id="{3C82760A-9114-E34B-BC88-970D50C5C8A6}"/>
+                  </a:ext>
+                </a:extLst>
+              </p:cNvPr>
+              <p:cNvSpPr/>
+              <p:nvPr/>
+            </p:nvSpPr>
+            <p:spPr>
+              <a:xfrm>
+                <a:off x="1993271" y="4332506"/>
+                <a:ext cx="64008" cy="320040"/>
+              </a:xfrm>
+              <a:prstGeom prst="can">
+                <a:avLst/>
+              </a:prstGeom>
+              <a:solidFill>
+                <a:srgbClr val="E69E01"/>
+              </a:solidFill>
+              <a:ln>
+                <a:solidFill>
+                  <a:schemeClr val="tx1">
+                    <a:lumMod val="50000"/>
+                    <a:lumOff val="50000"/>
+                  </a:schemeClr>
+                </a:solidFill>
+              </a:ln>
+              <a:effectLst/>
+            </p:spPr>
+            <p:style>
+              <a:lnRef idx="2">
+                <a:schemeClr val="accent1">
+                  <a:shade val="50000"/>
+                </a:schemeClr>
+              </a:lnRef>
+              <a:fillRef idx="1">
+                <a:schemeClr val="accent1"/>
+              </a:fillRef>
+              <a:effectRef idx="0">
+                <a:schemeClr val="accent1"/>
+              </a:effectRef>
+              <a:fontRef idx="minor">
+                <a:schemeClr val="lt1"/>
+              </a:fontRef>
+            </p:style>
+            <p:txBody>
+              <a:bodyPr rtlCol="0" anchor="ctr"/>
+              <a:lstStyle/>
+              <a:p>
+                <a:pPr algn="ctr"/>
+                <a:endParaRPr lang="en-US"/>
+              </a:p>
+            </p:txBody>
+          </p:sp>
+          <p:sp>
+            <p:nvSpPr>
+              <p:cNvPr id="181" name="Can 180">
+                <a:extLst>
+                  <a:ext uri="{FF2B5EF4-FFF2-40B4-BE49-F238E27FC236}">
+                    <a16:creationId xmlns:a16="http://schemas.microsoft.com/office/drawing/2014/main" id="{642E2C82-4EE7-FC4A-BE8A-D77842DAC567}"/>
+                  </a:ext>
+                </a:extLst>
+              </p:cNvPr>
+              <p:cNvSpPr/>
+              <p:nvPr/>
+            </p:nvSpPr>
+            <p:spPr>
+              <a:xfrm>
+                <a:off x="2087763" y="4332506"/>
+                <a:ext cx="64008" cy="320040"/>
+              </a:xfrm>
+              <a:prstGeom prst="can">
+                <a:avLst/>
+              </a:prstGeom>
+              <a:solidFill>
+                <a:srgbClr val="E69E01"/>
+              </a:solidFill>
+              <a:ln>
+                <a:solidFill>
+                  <a:schemeClr val="tx1">
+                    <a:lumMod val="50000"/>
+                    <a:lumOff val="50000"/>
+                  </a:schemeClr>
+                </a:solidFill>
+              </a:ln>
+              <a:effectLst/>
+            </p:spPr>
+            <p:style>
+              <a:lnRef idx="2">
+                <a:schemeClr val="accent1">
+                  <a:shade val="50000"/>
+                </a:schemeClr>
+              </a:lnRef>
+              <a:fillRef idx="1">
+                <a:schemeClr val="accent1"/>
+              </a:fillRef>
+              <a:effectRef idx="0">
+                <a:schemeClr val="accent1"/>
+              </a:effectRef>
+              <a:fontRef idx="minor">
+                <a:schemeClr val="lt1"/>
+              </a:fontRef>
+            </p:style>
+            <p:txBody>
+              <a:bodyPr rtlCol="0" anchor="ctr"/>
+              <a:lstStyle/>
+              <a:p>
+                <a:pPr algn="ctr"/>
+                <a:endParaRPr lang="en-US"/>
+              </a:p>
+            </p:txBody>
+          </p:sp>
+          <p:sp>
+            <p:nvSpPr>
+              <p:cNvPr id="182" name="Can 181">
+                <a:extLst>
+                  <a:ext uri="{FF2B5EF4-FFF2-40B4-BE49-F238E27FC236}">
+                    <a16:creationId xmlns:a16="http://schemas.microsoft.com/office/drawing/2014/main" id="{097AA0C2-4A7D-1A41-9878-B82EB72326B3}"/>
+                  </a:ext>
+                </a:extLst>
+              </p:cNvPr>
+              <p:cNvSpPr/>
+              <p:nvPr/>
+            </p:nvSpPr>
+            <p:spPr>
+              <a:xfrm>
+                <a:off x="1993271" y="4716376"/>
+                <a:ext cx="64008" cy="320040"/>
+              </a:xfrm>
+              <a:prstGeom prst="can">
+                <a:avLst/>
+              </a:prstGeom>
+              <a:solidFill>
+                <a:srgbClr val="55B4EA"/>
+              </a:solidFill>
+              <a:ln>
+                <a:solidFill>
+                  <a:schemeClr val="tx1">
+                    <a:lumMod val="50000"/>
+                    <a:lumOff val="50000"/>
+                  </a:schemeClr>
+                </a:solidFill>
+              </a:ln>
+              <a:effectLst/>
+            </p:spPr>
+            <p:style>
+              <a:lnRef idx="2">
+                <a:schemeClr val="accent1">
+                  <a:shade val="50000"/>
+                </a:schemeClr>
+              </a:lnRef>
+              <a:fillRef idx="1">
+                <a:schemeClr val="accent1"/>
+              </a:fillRef>
+              <a:effectRef idx="0">
+                <a:schemeClr val="accent1"/>
+              </a:effectRef>
+              <a:fontRef idx="minor">
+                <a:schemeClr val="lt1"/>
+              </a:fontRef>
+            </p:style>
+            <p:txBody>
+              <a:bodyPr rtlCol="0" anchor="ctr"/>
+              <a:lstStyle/>
+              <a:p>
+                <a:pPr algn="ctr"/>
+                <a:endParaRPr lang="en-US"/>
+              </a:p>
+            </p:txBody>
+          </p:sp>
+          <p:sp>
+            <p:nvSpPr>
+              <p:cNvPr id="183" name="Can 182">
+                <a:extLst>
+                  <a:ext uri="{FF2B5EF4-FFF2-40B4-BE49-F238E27FC236}">
+                    <a16:creationId xmlns:a16="http://schemas.microsoft.com/office/drawing/2014/main" id="{15AFBA47-A04A-1B42-BCFA-A0D509DF1686}"/>
+                  </a:ext>
+                </a:extLst>
+              </p:cNvPr>
+              <p:cNvSpPr/>
+              <p:nvPr/>
+            </p:nvSpPr>
+            <p:spPr>
+              <a:xfrm>
+                <a:off x="2087763" y="4716376"/>
+                <a:ext cx="64008" cy="320040"/>
+              </a:xfrm>
+              <a:prstGeom prst="can">
+                <a:avLst/>
+              </a:prstGeom>
+              <a:solidFill>
+                <a:srgbClr val="55B4EA"/>
+              </a:solidFill>
+              <a:ln>
+                <a:solidFill>
+                  <a:schemeClr val="tx1">
+                    <a:lumMod val="50000"/>
+                    <a:lumOff val="50000"/>
+                  </a:schemeClr>
+                </a:solidFill>
+              </a:ln>
+              <a:effectLst/>
+            </p:spPr>
+            <p:style>
+              <a:lnRef idx="2">
+                <a:schemeClr val="accent1">
+                  <a:shade val="50000"/>
+                </a:schemeClr>
+              </a:lnRef>
+              <a:fillRef idx="1">
+                <a:schemeClr val="accent1"/>
+              </a:fillRef>
+              <a:effectRef idx="0">
+                <a:schemeClr val="accent1"/>
+              </a:effectRef>
+              <a:fontRef idx="minor">
+                <a:schemeClr val="lt1"/>
+              </a:fontRef>
+            </p:style>
+            <p:txBody>
+              <a:bodyPr rtlCol="0" anchor="ctr"/>
+              <a:lstStyle/>
+              <a:p>
+                <a:pPr algn="ctr"/>
+                <a:endParaRPr lang="en-US"/>
+              </a:p>
+            </p:txBody>
+          </p:sp>
+        </p:grpSp>
+      </p:grpSp>
+      <p:grpSp>
+        <p:nvGrpSpPr>
+          <p:cNvPr id="28" name="Group 27">
+            <a:extLst>
+              <a:ext uri="{FF2B5EF4-FFF2-40B4-BE49-F238E27FC236}">
+                <a16:creationId xmlns:a16="http://schemas.microsoft.com/office/drawing/2014/main" id="{C65FA0DC-1C5E-4F49-91F7-0EDB6CD56968}"/>
+              </a:ext>
+            </a:extLst>
+          </p:cNvPr>
+          <p:cNvGrpSpPr/>
+          <p:nvPr/>
+        </p:nvGrpSpPr>
+        <p:grpSpPr>
+          <a:xfrm>
+            <a:off x="3205479" y="4383002"/>
+            <a:ext cx="721388" cy="1893078"/>
+            <a:chOff x="3205479" y="3139747"/>
+            <a:chExt cx="721388" cy="1893078"/>
+          </a:xfrm>
+        </p:grpSpPr>
+        <p:sp>
+          <p:nvSpPr>
+            <p:cNvPr id="100" name="TextBox 99">
+              <a:extLst>
+                <a:ext uri="{FF2B5EF4-FFF2-40B4-BE49-F238E27FC236}">
+                  <a16:creationId xmlns:a16="http://schemas.microsoft.com/office/drawing/2014/main" id="{A0D385A4-9898-CB43-854A-4AC52E5C5572}"/>
+                </a:ext>
+              </a:extLst>
+            </p:cNvPr>
+            <p:cNvSpPr txBox="1"/>
+            <p:nvPr/>
+          </p:nvSpPr>
+          <p:spPr>
+            <a:xfrm>
+              <a:off x="3436310" y="3139747"/>
+              <a:ext cx="408631" cy="338554"/>
+            </a:xfrm>
+            <a:prstGeom prst="rect">
+              <a:avLst/>
+            </a:prstGeom>
+            <a:noFill/>
+          </p:spPr>
+          <p:txBody>
+            <a:bodyPr wrap="square" rtlCol="0">
+              <a:spAutoFit/>
+            </a:bodyPr>
+            <a:lstStyle/>
+            <a:p>
+              <a:r>
+                <a:rPr lang="en-US" sz="1600" dirty="0">
+                  <a:latin typeface="Arial" panose="020B0604020202020204" pitchFamily="34" charset="0"/>
+                  <a:ea typeface="Arial" charset="0"/>
+                  <a:cs typeface="Arial" panose="020B0604020202020204" pitchFamily="34" charset="0"/>
+                </a:rPr>
+                <a:t>♀</a:t>
+              </a:r>
+              <a:r>
+                <a:rPr lang="en-US" sz="1400" baseline="-25000" dirty="0">
+                  <a:latin typeface="Arial" panose="020B0604020202020204" pitchFamily="34" charset="0"/>
+                  <a:ea typeface="Arial" charset="0"/>
+                  <a:cs typeface="Arial" panose="020B0604020202020204" pitchFamily="34" charset="0"/>
+                </a:rPr>
+                <a:t>3</a:t>
+              </a:r>
+            </a:p>
+          </p:txBody>
+        </p:sp>
+        <p:cxnSp>
+          <p:nvCxnSpPr>
+            <p:cNvPr id="184" name="Straight Connector 183">
+              <a:extLst>
+                <a:ext uri="{FF2B5EF4-FFF2-40B4-BE49-F238E27FC236}">
+                  <a16:creationId xmlns:a16="http://schemas.microsoft.com/office/drawing/2014/main" id="{975A7DAE-00B1-B140-977E-7BA83CE718F3}"/>
+                </a:ext>
+              </a:extLst>
+            </p:cNvPr>
+            <p:cNvCxnSpPr>
+              <a:cxnSpLocks/>
+            </p:cNvCxnSpPr>
+            <p:nvPr/>
+          </p:nvCxnSpPr>
+          <p:spPr>
+            <a:xfrm flipH="1">
+              <a:off x="3299971" y="3455507"/>
+              <a:ext cx="305464" cy="391933"/>
+            </a:xfrm>
+            <a:prstGeom prst="line">
+              <a:avLst/>
+            </a:prstGeom>
+            <a:ln>
+              <a:solidFill>
+                <a:schemeClr val="tx1">
+                  <a:lumMod val="65000"/>
+                  <a:lumOff val="35000"/>
+                </a:schemeClr>
+              </a:solidFill>
+            </a:ln>
+          </p:spPr>
+          <p:style>
+            <a:lnRef idx="1">
+              <a:schemeClr val="dk1"/>
+            </a:lnRef>
+            <a:fillRef idx="0">
+              <a:schemeClr val="dk1"/>
+            </a:fillRef>
+            <a:effectRef idx="0">
+              <a:schemeClr val="dk1"/>
+            </a:effectRef>
+            <a:fontRef idx="minor">
+              <a:schemeClr val="tx1"/>
+            </a:fontRef>
+          </p:style>
+        </p:cxnSp>
+        <p:cxnSp>
+          <p:nvCxnSpPr>
+            <p:cNvPr id="185" name="Straight Connector 184">
+              <a:extLst>
+                <a:ext uri="{FF2B5EF4-FFF2-40B4-BE49-F238E27FC236}">
+                  <a16:creationId xmlns:a16="http://schemas.microsoft.com/office/drawing/2014/main" id="{DD62115B-6D94-E94F-9403-684A591872F7}"/>
+                </a:ext>
+              </a:extLst>
+            </p:cNvPr>
+            <p:cNvCxnSpPr>
+              <a:cxnSpLocks/>
+            </p:cNvCxnSpPr>
+            <p:nvPr/>
+          </p:nvCxnSpPr>
+          <p:spPr>
+            <a:xfrm flipH="1">
+              <a:off x="3559678" y="3455507"/>
+              <a:ext cx="45758" cy="435566"/>
+            </a:xfrm>
+            <a:prstGeom prst="line">
+              <a:avLst/>
+            </a:prstGeom>
+            <a:ln>
+              <a:solidFill>
+                <a:schemeClr val="tx1">
+                  <a:lumMod val="65000"/>
+                  <a:lumOff val="35000"/>
+                </a:schemeClr>
+              </a:solidFill>
+            </a:ln>
+          </p:spPr>
+          <p:style>
+            <a:lnRef idx="1">
+              <a:schemeClr val="dk1"/>
+            </a:lnRef>
+            <a:fillRef idx="0">
+              <a:schemeClr val="dk1"/>
+            </a:fillRef>
+            <a:effectRef idx="0">
+              <a:schemeClr val="dk1"/>
+            </a:effectRef>
+            <a:fontRef idx="minor">
+              <a:schemeClr val="tx1"/>
+            </a:fontRef>
+          </p:style>
+        </p:cxnSp>
+        <p:cxnSp>
+          <p:nvCxnSpPr>
+            <p:cNvPr id="186" name="Straight Connector 185">
+              <a:extLst>
+                <a:ext uri="{FF2B5EF4-FFF2-40B4-BE49-F238E27FC236}">
+                  <a16:creationId xmlns:a16="http://schemas.microsoft.com/office/drawing/2014/main" id="{F1BF94A9-444C-F149-A1AD-0755EF33BBEA}"/>
+                </a:ext>
+              </a:extLst>
+            </p:cNvPr>
+            <p:cNvCxnSpPr>
+              <a:cxnSpLocks/>
+            </p:cNvCxnSpPr>
+            <p:nvPr/>
+          </p:nvCxnSpPr>
+          <p:spPr>
+            <a:xfrm>
+              <a:off x="3605435" y="3455507"/>
+              <a:ext cx="226940" cy="422549"/>
+            </a:xfrm>
+            <a:prstGeom prst="line">
+              <a:avLst/>
+            </a:prstGeom>
+            <a:ln>
+              <a:solidFill>
+                <a:schemeClr val="tx1">
+                  <a:lumMod val="65000"/>
+                  <a:lumOff val="35000"/>
+                </a:schemeClr>
+              </a:solidFill>
+            </a:ln>
+          </p:spPr>
+          <p:style>
+            <a:lnRef idx="1">
+              <a:schemeClr val="dk1"/>
+            </a:lnRef>
+            <a:fillRef idx="0">
+              <a:schemeClr val="dk1"/>
+            </a:fillRef>
+            <a:effectRef idx="0">
+              <a:schemeClr val="dk1"/>
+            </a:effectRef>
+            <a:fontRef idx="minor">
+              <a:schemeClr val="tx1"/>
+            </a:fontRef>
+          </p:style>
+        </p:cxnSp>
+        <p:grpSp>
+          <p:nvGrpSpPr>
+            <p:cNvPr id="187" name="Group 186">
+              <a:extLst>
+                <a:ext uri="{FF2B5EF4-FFF2-40B4-BE49-F238E27FC236}">
+                  <a16:creationId xmlns:a16="http://schemas.microsoft.com/office/drawing/2014/main" id="{3532E51E-6217-4849-BB53-5DC279B976F7}"/>
+                </a:ext>
+              </a:extLst>
+            </p:cNvPr>
+            <p:cNvGrpSpPr/>
+            <p:nvPr/>
+          </p:nvGrpSpPr>
+          <p:grpSpPr>
+            <a:xfrm>
+              <a:off x="3484063" y="3944299"/>
+              <a:ext cx="158500" cy="1087780"/>
+              <a:chOff x="1993271" y="3948636"/>
+              <a:chExt cx="158500" cy="1087780"/>
+            </a:xfrm>
+          </p:grpSpPr>
+          <p:sp>
+            <p:nvSpPr>
+              <p:cNvPr id="188" name="Can 187">
+                <a:extLst>
+                  <a:ext uri="{FF2B5EF4-FFF2-40B4-BE49-F238E27FC236}">
+                    <a16:creationId xmlns:a16="http://schemas.microsoft.com/office/drawing/2014/main" id="{59F26511-3FEA-3249-AAC4-58C2EEF460EF}"/>
+                  </a:ext>
+                </a:extLst>
+              </p:cNvPr>
+              <p:cNvSpPr/>
+              <p:nvPr/>
+            </p:nvSpPr>
+            <p:spPr>
+              <a:xfrm>
+                <a:off x="1993271" y="3948636"/>
+                <a:ext cx="64008" cy="320040"/>
+              </a:xfrm>
+              <a:prstGeom prst="can">
+                <a:avLst/>
+              </a:prstGeom>
+              <a:solidFill>
+                <a:srgbClr val="999999"/>
+              </a:solidFill>
+              <a:ln>
+                <a:solidFill>
+                  <a:schemeClr val="tx1">
+                    <a:lumMod val="50000"/>
+                    <a:lumOff val="50000"/>
+                  </a:schemeClr>
+                </a:solidFill>
+              </a:ln>
+              <a:effectLst/>
+            </p:spPr>
+            <p:style>
+              <a:lnRef idx="2">
+                <a:schemeClr val="accent1">
+                  <a:shade val="50000"/>
+                </a:schemeClr>
+              </a:lnRef>
+              <a:fillRef idx="1">
+                <a:schemeClr val="accent1"/>
+              </a:fillRef>
+              <a:effectRef idx="0">
+                <a:schemeClr val="accent1"/>
+              </a:effectRef>
+              <a:fontRef idx="minor">
+                <a:schemeClr val="lt1"/>
+              </a:fontRef>
+            </p:style>
+            <p:txBody>
+              <a:bodyPr rtlCol="0" anchor="ctr"/>
+              <a:lstStyle/>
+              <a:p>
+                <a:pPr algn="ctr"/>
+                <a:endParaRPr lang="en-US"/>
+              </a:p>
+            </p:txBody>
+          </p:sp>
+          <p:sp>
+            <p:nvSpPr>
+              <p:cNvPr id="189" name="Can 188">
+                <a:extLst>
+                  <a:ext uri="{FF2B5EF4-FFF2-40B4-BE49-F238E27FC236}">
+                    <a16:creationId xmlns:a16="http://schemas.microsoft.com/office/drawing/2014/main" id="{FEF385FB-C998-F24A-82F1-FC4CEF311BC0}"/>
+                  </a:ext>
+                </a:extLst>
+              </p:cNvPr>
+              <p:cNvSpPr/>
+              <p:nvPr/>
+            </p:nvSpPr>
+            <p:spPr>
+              <a:xfrm>
+                <a:off x="2087763" y="3948636"/>
+                <a:ext cx="64008" cy="320040"/>
+              </a:xfrm>
+              <a:prstGeom prst="can">
+                <a:avLst/>
+              </a:prstGeom>
+              <a:solidFill>
+                <a:srgbClr val="999999"/>
+              </a:solidFill>
+              <a:ln>
+                <a:solidFill>
+                  <a:schemeClr val="tx1">
+                    <a:lumMod val="50000"/>
+                    <a:lumOff val="50000"/>
+                  </a:schemeClr>
+                </a:solidFill>
+              </a:ln>
+              <a:effectLst/>
+            </p:spPr>
+            <p:style>
+              <a:lnRef idx="2">
+                <a:schemeClr val="accent1">
+                  <a:shade val="50000"/>
+                </a:schemeClr>
+              </a:lnRef>
+              <a:fillRef idx="1">
+                <a:schemeClr val="accent1"/>
+              </a:fillRef>
+              <a:effectRef idx="0">
+                <a:schemeClr val="accent1"/>
+              </a:effectRef>
+              <a:fontRef idx="minor">
+                <a:schemeClr val="lt1"/>
+              </a:fontRef>
+            </p:style>
+            <p:txBody>
+              <a:bodyPr rtlCol="0" anchor="ctr"/>
+              <a:lstStyle/>
+              <a:p>
+                <a:pPr algn="ctr"/>
+                <a:endParaRPr lang="en-US"/>
+              </a:p>
+            </p:txBody>
+          </p:sp>
+          <p:sp>
+            <p:nvSpPr>
+              <p:cNvPr id="190" name="Can 189">
+                <a:extLst>
+                  <a:ext uri="{FF2B5EF4-FFF2-40B4-BE49-F238E27FC236}">
+                    <a16:creationId xmlns:a16="http://schemas.microsoft.com/office/drawing/2014/main" id="{DE370376-8D1A-3340-A366-26FF0E2EB42B}"/>
+                  </a:ext>
+                </a:extLst>
+              </p:cNvPr>
+              <p:cNvSpPr/>
+              <p:nvPr/>
+            </p:nvSpPr>
+            <p:spPr>
+              <a:xfrm>
+                <a:off x="1993271" y="4332506"/>
+                <a:ext cx="64008" cy="320040"/>
+              </a:xfrm>
+              <a:prstGeom prst="can">
+                <a:avLst/>
+              </a:prstGeom>
+              <a:solidFill>
+                <a:srgbClr val="E69E01"/>
+              </a:solidFill>
+              <a:ln>
+                <a:solidFill>
+                  <a:schemeClr val="tx1">
+                    <a:lumMod val="50000"/>
+                    <a:lumOff val="50000"/>
+                  </a:schemeClr>
+                </a:solidFill>
+              </a:ln>
+              <a:effectLst/>
+            </p:spPr>
+            <p:style>
+              <a:lnRef idx="2">
+                <a:schemeClr val="accent1">
+                  <a:shade val="50000"/>
+                </a:schemeClr>
+              </a:lnRef>
+              <a:fillRef idx="1">
+                <a:schemeClr val="accent1"/>
+              </a:fillRef>
+              <a:effectRef idx="0">
+                <a:schemeClr val="accent1"/>
+              </a:effectRef>
+              <a:fontRef idx="minor">
+                <a:schemeClr val="lt1"/>
+              </a:fontRef>
+            </p:style>
+            <p:txBody>
+              <a:bodyPr rtlCol="0" anchor="ctr"/>
+              <a:lstStyle/>
+              <a:p>
+                <a:pPr algn="ctr"/>
+                <a:endParaRPr lang="en-US"/>
+              </a:p>
+            </p:txBody>
+          </p:sp>
+          <p:sp>
+            <p:nvSpPr>
+              <p:cNvPr id="191" name="Can 190">
+                <a:extLst>
+                  <a:ext uri="{FF2B5EF4-FFF2-40B4-BE49-F238E27FC236}">
+                    <a16:creationId xmlns:a16="http://schemas.microsoft.com/office/drawing/2014/main" id="{06064772-3790-A44E-BE88-8CFCA82BC73D}"/>
+                  </a:ext>
+                </a:extLst>
+              </p:cNvPr>
+              <p:cNvSpPr/>
+              <p:nvPr/>
+            </p:nvSpPr>
+            <p:spPr>
+              <a:xfrm>
+                <a:off x="2087763" y="4332506"/>
+                <a:ext cx="64008" cy="320040"/>
+              </a:xfrm>
+              <a:prstGeom prst="can">
+                <a:avLst/>
+              </a:prstGeom>
+              <a:solidFill>
+                <a:srgbClr val="E69E01"/>
+              </a:solidFill>
+              <a:ln>
+                <a:solidFill>
+                  <a:schemeClr val="tx1">
+                    <a:lumMod val="50000"/>
+                    <a:lumOff val="50000"/>
+                  </a:schemeClr>
+                </a:solidFill>
+              </a:ln>
+              <a:effectLst/>
+            </p:spPr>
+            <p:style>
+              <a:lnRef idx="2">
+                <a:schemeClr val="accent1">
+                  <a:shade val="50000"/>
+                </a:schemeClr>
+              </a:lnRef>
+              <a:fillRef idx="1">
+                <a:schemeClr val="accent1"/>
+              </a:fillRef>
+              <a:effectRef idx="0">
+                <a:schemeClr val="accent1"/>
+              </a:effectRef>
+              <a:fontRef idx="minor">
+                <a:schemeClr val="lt1"/>
+              </a:fontRef>
+            </p:style>
+            <p:txBody>
+              <a:bodyPr rtlCol="0" anchor="ctr"/>
+              <a:lstStyle/>
+              <a:p>
+                <a:pPr algn="ctr"/>
+                <a:endParaRPr lang="en-US"/>
+              </a:p>
+            </p:txBody>
+          </p:sp>
+          <p:sp>
+            <p:nvSpPr>
+              <p:cNvPr id="192" name="Can 191">
+                <a:extLst>
+                  <a:ext uri="{FF2B5EF4-FFF2-40B4-BE49-F238E27FC236}">
+                    <a16:creationId xmlns:a16="http://schemas.microsoft.com/office/drawing/2014/main" id="{568AC809-7593-1C48-BCD8-BA6BB00AB973}"/>
+                  </a:ext>
+                </a:extLst>
+              </p:cNvPr>
+              <p:cNvSpPr/>
+              <p:nvPr/>
+            </p:nvSpPr>
+            <p:spPr>
+              <a:xfrm>
+                <a:off x="1993271" y="4716376"/>
+                <a:ext cx="64008" cy="320040"/>
+              </a:xfrm>
+              <a:prstGeom prst="can">
+                <a:avLst/>
+              </a:prstGeom>
+              <a:solidFill>
+                <a:srgbClr val="55B4EA"/>
+              </a:solidFill>
+              <a:ln>
+                <a:solidFill>
+                  <a:schemeClr val="tx1">
+                    <a:lumMod val="50000"/>
+                    <a:lumOff val="50000"/>
+                  </a:schemeClr>
+                </a:solidFill>
+              </a:ln>
+              <a:effectLst/>
+            </p:spPr>
+            <p:style>
+              <a:lnRef idx="2">
+                <a:schemeClr val="accent1">
+                  <a:shade val="50000"/>
+                </a:schemeClr>
+              </a:lnRef>
+              <a:fillRef idx="1">
+                <a:schemeClr val="accent1"/>
+              </a:fillRef>
+              <a:effectRef idx="0">
+                <a:schemeClr val="accent1"/>
+              </a:effectRef>
+              <a:fontRef idx="minor">
+                <a:schemeClr val="lt1"/>
+              </a:fontRef>
+            </p:style>
+            <p:txBody>
+              <a:bodyPr rtlCol="0" anchor="ctr"/>
+              <a:lstStyle/>
+              <a:p>
+                <a:pPr algn="ctr"/>
+                <a:endParaRPr lang="en-US"/>
+              </a:p>
+            </p:txBody>
+          </p:sp>
+          <p:sp>
+            <p:nvSpPr>
+              <p:cNvPr id="193" name="Can 192">
+                <a:extLst>
+                  <a:ext uri="{FF2B5EF4-FFF2-40B4-BE49-F238E27FC236}">
+                    <a16:creationId xmlns:a16="http://schemas.microsoft.com/office/drawing/2014/main" id="{D04EFBF8-0DB7-FC4B-852A-6C1B4B32775D}"/>
+                  </a:ext>
+                </a:extLst>
+              </p:cNvPr>
+              <p:cNvSpPr/>
+              <p:nvPr/>
+            </p:nvSpPr>
+            <p:spPr>
+              <a:xfrm>
+                <a:off x="2087763" y="4716376"/>
+                <a:ext cx="64008" cy="320040"/>
+              </a:xfrm>
+              <a:prstGeom prst="can">
+                <a:avLst/>
+              </a:prstGeom>
+              <a:solidFill>
+                <a:srgbClr val="55B4EA"/>
+              </a:solidFill>
+              <a:ln>
+                <a:solidFill>
+                  <a:schemeClr val="tx1">
+                    <a:lumMod val="50000"/>
+                    <a:lumOff val="50000"/>
+                  </a:schemeClr>
+                </a:solidFill>
+              </a:ln>
+              <a:effectLst/>
+            </p:spPr>
+            <p:style>
+              <a:lnRef idx="2">
+                <a:schemeClr val="accent1">
+                  <a:shade val="50000"/>
+                </a:schemeClr>
+              </a:lnRef>
+              <a:fillRef idx="1">
+                <a:schemeClr val="accent1"/>
+              </a:fillRef>
+              <a:effectRef idx="0">
+                <a:schemeClr val="accent1"/>
+              </a:effectRef>
+              <a:fontRef idx="minor">
+                <a:schemeClr val="lt1"/>
+              </a:fontRef>
+            </p:style>
+            <p:txBody>
+              <a:bodyPr rtlCol="0" anchor="ctr"/>
+              <a:lstStyle/>
+              <a:p>
+                <a:pPr algn="ctr"/>
+                <a:endParaRPr lang="en-US"/>
+              </a:p>
+            </p:txBody>
+          </p:sp>
+        </p:grpSp>
+        <p:grpSp>
+          <p:nvGrpSpPr>
+            <p:cNvPr id="194" name="Group 193">
+              <a:extLst>
+                <a:ext uri="{FF2B5EF4-FFF2-40B4-BE49-F238E27FC236}">
+                  <a16:creationId xmlns:a16="http://schemas.microsoft.com/office/drawing/2014/main" id="{B9F73E97-7E58-4142-9032-9383DBBDA73D}"/>
+                </a:ext>
+              </a:extLst>
+            </p:cNvPr>
+            <p:cNvGrpSpPr/>
+            <p:nvPr/>
+          </p:nvGrpSpPr>
+          <p:grpSpPr>
+            <a:xfrm>
+              <a:off x="3768367" y="3945045"/>
+              <a:ext cx="158500" cy="1087780"/>
+              <a:chOff x="1993271" y="3948636"/>
+              <a:chExt cx="158500" cy="1087780"/>
+            </a:xfrm>
+          </p:grpSpPr>
+          <p:sp>
+            <p:nvSpPr>
+              <p:cNvPr id="195" name="Can 194">
+                <a:extLst>
+                  <a:ext uri="{FF2B5EF4-FFF2-40B4-BE49-F238E27FC236}">
+                    <a16:creationId xmlns:a16="http://schemas.microsoft.com/office/drawing/2014/main" id="{F75791C0-8DD6-CB46-958A-1BAE3723D068}"/>
+                  </a:ext>
+                </a:extLst>
+              </p:cNvPr>
+              <p:cNvSpPr/>
+              <p:nvPr/>
+            </p:nvSpPr>
+            <p:spPr>
+              <a:xfrm>
+                <a:off x="1993271" y="3948636"/>
+                <a:ext cx="64008" cy="320040"/>
+              </a:xfrm>
+              <a:prstGeom prst="can">
+                <a:avLst/>
+              </a:prstGeom>
+              <a:solidFill>
+                <a:srgbClr val="999999"/>
+              </a:solidFill>
+              <a:ln>
+                <a:solidFill>
+                  <a:schemeClr val="tx1">
+                    <a:lumMod val="50000"/>
+                    <a:lumOff val="50000"/>
+                  </a:schemeClr>
+                </a:solidFill>
+              </a:ln>
+              <a:effectLst/>
+            </p:spPr>
+            <p:style>
+              <a:lnRef idx="2">
+                <a:schemeClr val="accent1">
+                  <a:shade val="50000"/>
+                </a:schemeClr>
+              </a:lnRef>
+              <a:fillRef idx="1">
+                <a:schemeClr val="accent1"/>
+              </a:fillRef>
+              <a:effectRef idx="0">
+                <a:schemeClr val="accent1"/>
+              </a:effectRef>
+              <a:fontRef idx="minor">
+                <a:schemeClr val="lt1"/>
+              </a:fontRef>
+            </p:style>
+            <p:txBody>
+              <a:bodyPr rtlCol="0" anchor="ctr"/>
+              <a:lstStyle/>
+              <a:p>
+                <a:pPr algn="ctr"/>
+                <a:endParaRPr lang="en-US"/>
+              </a:p>
+            </p:txBody>
+          </p:sp>
+          <p:sp>
+            <p:nvSpPr>
+              <p:cNvPr id="196" name="Can 195">
+                <a:extLst>
+                  <a:ext uri="{FF2B5EF4-FFF2-40B4-BE49-F238E27FC236}">
+                    <a16:creationId xmlns:a16="http://schemas.microsoft.com/office/drawing/2014/main" id="{2F82C3A6-7505-6A45-AFD4-2E924601EC05}"/>
+                  </a:ext>
+                </a:extLst>
+              </p:cNvPr>
+              <p:cNvSpPr/>
+              <p:nvPr/>
+            </p:nvSpPr>
+            <p:spPr>
+              <a:xfrm>
+                <a:off x="2087763" y="3948636"/>
+                <a:ext cx="64008" cy="320040"/>
+              </a:xfrm>
+              <a:prstGeom prst="can">
+                <a:avLst/>
+              </a:prstGeom>
+              <a:solidFill>
+                <a:srgbClr val="999999"/>
+              </a:solidFill>
+              <a:ln>
+                <a:solidFill>
+                  <a:schemeClr val="tx1">
+                    <a:lumMod val="50000"/>
+                    <a:lumOff val="50000"/>
+                  </a:schemeClr>
+                </a:solidFill>
+              </a:ln>
+              <a:effectLst/>
+            </p:spPr>
+            <p:style>
+              <a:lnRef idx="2">
+                <a:schemeClr val="accent1">
+                  <a:shade val="50000"/>
+                </a:schemeClr>
+              </a:lnRef>
+              <a:fillRef idx="1">
+                <a:schemeClr val="accent1"/>
+              </a:fillRef>
+              <a:effectRef idx="0">
+                <a:schemeClr val="accent1"/>
+              </a:effectRef>
+              <a:fontRef idx="minor">
+                <a:schemeClr val="lt1"/>
+              </a:fontRef>
+            </p:style>
+            <p:txBody>
+              <a:bodyPr rtlCol="0" anchor="ctr"/>
+              <a:lstStyle/>
+              <a:p>
+                <a:pPr algn="ctr"/>
+                <a:endParaRPr lang="en-US"/>
+              </a:p>
+            </p:txBody>
+          </p:sp>
+          <p:sp>
+            <p:nvSpPr>
+              <p:cNvPr id="197" name="Can 196">
+                <a:extLst>
+                  <a:ext uri="{FF2B5EF4-FFF2-40B4-BE49-F238E27FC236}">
+                    <a16:creationId xmlns:a16="http://schemas.microsoft.com/office/drawing/2014/main" id="{6B6AE600-957E-7B40-A825-FDA8A06E642E}"/>
+                  </a:ext>
+                </a:extLst>
+              </p:cNvPr>
+              <p:cNvSpPr/>
+              <p:nvPr/>
+            </p:nvSpPr>
+            <p:spPr>
+              <a:xfrm>
+                <a:off x="1993271" y="4332506"/>
+                <a:ext cx="64008" cy="320040"/>
+              </a:xfrm>
+              <a:prstGeom prst="can">
+                <a:avLst/>
+              </a:prstGeom>
+              <a:solidFill>
+                <a:srgbClr val="E69E01"/>
+              </a:solidFill>
+              <a:ln>
+                <a:solidFill>
+                  <a:schemeClr val="tx1">
+                    <a:lumMod val="50000"/>
+                    <a:lumOff val="50000"/>
+                  </a:schemeClr>
+                </a:solidFill>
+              </a:ln>
+              <a:effectLst/>
+            </p:spPr>
+            <p:style>
+              <a:lnRef idx="2">
+                <a:schemeClr val="accent1">
+                  <a:shade val="50000"/>
+                </a:schemeClr>
+              </a:lnRef>
+              <a:fillRef idx="1">
+                <a:schemeClr val="accent1"/>
+              </a:fillRef>
+              <a:effectRef idx="0">
+                <a:schemeClr val="accent1"/>
+              </a:effectRef>
+              <a:fontRef idx="minor">
+                <a:schemeClr val="lt1"/>
+              </a:fontRef>
+            </p:style>
+            <p:txBody>
+              <a:bodyPr rtlCol="0" anchor="ctr"/>
+              <a:lstStyle/>
+              <a:p>
+                <a:pPr algn="ctr"/>
+                <a:endParaRPr lang="en-US"/>
+              </a:p>
+            </p:txBody>
+          </p:sp>
+          <p:sp>
+            <p:nvSpPr>
+              <p:cNvPr id="198" name="Can 197">
+                <a:extLst>
+                  <a:ext uri="{FF2B5EF4-FFF2-40B4-BE49-F238E27FC236}">
+                    <a16:creationId xmlns:a16="http://schemas.microsoft.com/office/drawing/2014/main" id="{BFAD16DE-D9BC-0A4B-AD41-FE35D6CB7E27}"/>
+                  </a:ext>
+                </a:extLst>
+              </p:cNvPr>
+              <p:cNvSpPr/>
+              <p:nvPr/>
+            </p:nvSpPr>
+            <p:spPr>
+              <a:xfrm>
+                <a:off x="2087763" y="4332506"/>
+                <a:ext cx="64008" cy="320040"/>
+              </a:xfrm>
+              <a:prstGeom prst="can">
+                <a:avLst/>
+              </a:prstGeom>
+              <a:solidFill>
+                <a:srgbClr val="E69E01"/>
+              </a:solidFill>
+              <a:ln>
+                <a:solidFill>
+                  <a:schemeClr val="tx1">
+                    <a:lumMod val="50000"/>
+                    <a:lumOff val="50000"/>
+                  </a:schemeClr>
+                </a:solidFill>
+              </a:ln>
+              <a:effectLst/>
+            </p:spPr>
+            <p:style>
+              <a:lnRef idx="2">
+                <a:schemeClr val="accent1">
+                  <a:shade val="50000"/>
+                </a:schemeClr>
+              </a:lnRef>
+              <a:fillRef idx="1">
+                <a:schemeClr val="accent1"/>
+              </a:fillRef>
+              <a:effectRef idx="0">
+                <a:schemeClr val="accent1"/>
+              </a:effectRef>
+              <a:fontRef idx="minor">
+                <a:schemeClr val="lt1"/>
+              </a:fontRef>
+            </p:style>
+            <p:txBody>
+              <a:bodyPr rtlCol="0" anchor="ctr"/>
+              <a:lstStyle/>
+              <a:p>
+                <a:pPr algn="ctr"/>
+                <a:endParaRPr lang="en-US"/>
+              </a:p>
+            </p:txBody>
+          </p:sp>
+          <p:sp>
+            <p:nvSpPr>
+              <p:cNvPr id="199" name="Can 198">
+                <a:extLst>
+                  <a:ext uri="{FF2B5EF4-FFF2-40B4-BE49-F238E27FC236}">
+                    <a16:creationId xmlns:a16="http://schemas.microsoft.com/office/drawing/2014/main" id="{FCC230F8-4DE9-C74E-A23E-22E8519B8E8E}"/>
+                  </a:ext>
+                </a:extLst>
+              </p:cNvPr>
+              <p:cNvSpPr/>
+              <p:nvPr/>
+            </p:nvSpPr>
+            <p:spPr>
+              <a:xfrm>
+                <a:off x="1993271" y="4716376"/>
+                <a:ext cx="64008" cy="320040"/>
+              </a:xfrm>
+              <a:prstGeom prst="can">
+                <a:avLst/>
+              </a:prstGeom>
+              <a:solidFill>
+                <a:srgbClr val="55B4EA"/>
+              </a:solidFill>
+              <a:ln>
+                <a:solidFill>
+                  <a:schemeClr val="tx1">
+                    <a:lumMod val="50000"/>
+                    <a:lumOff val="50000"/>
+                  </a:schemeClr>
+                </a:solidFill>
+              </a:ln>
+              <a:effectLst/>
+            </p:spPr>
+            <p:style>
+              <a:lnRef idx="2">
+                <a:schemeClr val="accent1">
+                  <a:shade val="50000"/>
+                </a:schemeClr>
+              </a:lnRef>
+              <a:fillRef idx="1">
+                <a:schemeClr val="accent1"/>
+              </a:fillRef>
+              <a:effectRef idx="0">
+                <a:schemeClr val="accent1"/>
+              </a:effectRef>
+              <a:fontRef idx="minor">
+                <a:schemeClr val="lt1"/>
+              </a:fontRef>
+            </p:style>
+            <p:txBody>
+              <a:bodyPr rtlCol="0" anchor="ctr"/>
+              <a:lstStyle/>
+              <a:p>
+                <a:pPr algn="ctr"/>
+                <a:endParaRPr lang="en-US"/>
+              </a:p>
+            </p:txBody>
+          </p:sp>
+          <p:sp>
+            <p:nvSpPr>
+              <p:cNvPr id="200" name="Can 199">
+                <a:extLst>
+                  <a:ext uri="{FF2B5EF4-FFF2-40B4-BE49-F238E27FC236}">
+                    <a16:creationId xmlns:a16="http://schemas.microsoft.com/office/drawing/2014/main" id="{9F671606-EC18-684A-9BFF-67B956E845B4}"/>
+                  </a:ext>
+                </a:extLst>
+              </p:cNvPr>
+              <p:cNvSpPr/>
+              <p:nvPr/>
+            </p:nvSpPr>
+            <p:spPr>
+              <a:xfrm>
+                <a:off x="2087763" y="4716376"/>
+                <a:ext cx="64008" cy="320040"/>
+              </a:xfrm>
+              <a:prstGeom prst="can">
+                <a:avLst/>
+              </a:prstGeom>
+              <a:solidFill>
+                <a:srgbClr val="55B4EA"/>
+              </a:solidFill>
+              <a:ln>
+                <a:solidFill>
+                  <a:schemeClr val="tx1">
+                    <a:lumMod val="50000"/>
+                    <a:lumOff val="50000"/>
+                  </a:schemeClr>
+                </a:solidFill>
+              </a:ln>
+              <a:effectLst/>
+            </p:spPr>
+            <p:style>
+              <a:lnRef idx="2">
+                <a:schemeClr val="accent1">
+                  <a:shade val="50000"/>
+                </a:schemeClr>
+              </a:lnRef>
+              <a:fillRef idx="1">
+                <a:schemeClr val="accent1"/>
+              </a:fillRef>
+              <a:effectRef idx="0">
+                <a:schemeClr val="accent1"/>
+              </a:effectRef>
+              <a:fontRef idx="minor">
+                <a:schemeClr val="lt1"/>
+              </a:fontRef>
+            </p:style>
+            <p:txBody>
+              <a:bodyPr rtlCol="0" anchor="ctr"/>
+              <a:lstStyle/>
+              <a:p>
+                <a:pPr algn="ctr"/>
+                <a:endParaRPr lang="en-US"/>
+              </a:p>
+            </p:txBody>
+          </p:sp>
+        </p:grpSp>
+        <p:grpSp>
+          <p:nvGrpSpPr>
+            <p:cNvPr id="201" name="Group 200">
+              <a:extLst>
+                <a:ext uri="{FF2B5EF4-FFF2-40B4-BE49-F238E27FC236}">
+                  <a16:creationId xmlns:a16="http://schemas.microsoft.com/office/drawing/2014/main" id="{5FBE8F96-5195-8A4E-A187-B6A6F8446C6C}"/>
+                </a:ext>
+              </a:extLst>
+            </p:cNvPr>
+            <p:cNvGrpSpPr/>
+            <p:nvPr/>
+          </p:nvGrpSpPr>
+          <p:grpSpPr>
+            <a:xfrm>
+              <a:off x="3205479" y="3944299"/>
+              <a:ext cx="158500" cy="1087780"/>
+              <a:chOff x="1993271" y="3948636"/>
+              <a:chExt cx="158500" cy="1087780"/>
+            </a:xfrm>
+          </p:grpSpPr>
+          <p:sp>
+            <p:nvSpPr>
+              <p:cNvPr id="202" name="Can 201">
+                <a:extLst>
+                  <a:ext uri="{FF2B5EF4-FFF2-40B4-BE49-F238E27FC236}">
+                    <a16:creationId xmlns:a16="http://schemas.microsoft.com/office/drawing/2014/main" id="{5B2D663F-28A0-204E-964D-B2C2C163AC31}"/>
+                  </a:ext>
+                </a:extLst>
+              </p:cNvPr>
+              <p:cNvSpPr/>
+              <p:nvPr/>
+            </p:nvSpPr>
+            <p:spPr>
+              <a:xfrm>
+                <a:off x="1993271" y="3948636"/>
+                <a:ext cx="64008" cy="320040"/>
+              </a:xfrm>
+              <a:prstGeom prst="can">
+                <a:avLst/>
+              </a:prstGeom>
+              <a:solidFill>
+                <a:srgbClr val="999999"/>
+              </a:solidFill>
+              <a:ln>
+                <a:solidFill>
+                  <a:schemeClr val="tx1">
+                    <a:lumMod val="50000"/>
+                    <a:lumOff val="50000"/>
+                  </a:schemeClr>
+                </a:solidFill>
+              </a:ln>
+              <a:effectLst/>
+            </p:spPr>
+            <p:style>
+              <a:lnRef idx="2">
+                <a:schemeClr val="accent1">
+                  <a:shade val="50000"/>
+                </a:schemeClr>
+              </a:lnRef>
+              <a:fillRef idx="1">
+                <a:schemeClr val="accent1"/>
+              </a:fillRef>
+              <a:effectRef idx="0">
+                <a:schemeClr val="accent1"/>
+              </a:effectRef>
+              <a:fontRef idx="minor">
+                <a:schemeClr val="lt1"/>
+              </a:fontRef>
+            </p:style>
+            <p:txBody>
+              <a:bodyPr rtlCol="0" anchor="ctr"/>
+              <a:lstStyle/>
+              <a:p>
+                <a:pPr algn="ctr"/>
+                <a:endParaRPr lang="en-US"/>
+              </a:p>
+            </p:txBody>
+          </p:sp>
+          <p:sp>
+            <p:nvSpPr>
+              <p:cNvPr id="203" name="Can 202">
+                <a:extLst>
+                  <a:ext uri="{FF2B5EF4-FFF2-40B4-BE49-F238E27FC236}">
+                    <a16:creationId xmlns:a16="http://schemas.microsoft.com/office/drawing/2014/main" id="{E92E1D22-9C27-1C42-BA85-A95DF93A953C}"/>
+                  </a:ext>
+                </a:extLst>
+              </p:cNvPr>
+              <p:cNvSpPr/>
+              <p:nvPr/>
+            </p:nvSpPr>
+            <p:spPr>
+              <a:xfrm>
+                <a:off x="2087763" y="3948636"/>
+                <a:ext cx="64008" cy="320040"/>
+              </a:xfrm>
+              <a:prstGeom prst="can">
+                <a:avLst/>
+              </a:prstGeom>
+              <a:solidFill>
+                <a:srgbClr val="999999"/>
+              </a:solidFill>
+              <a:ln>
+                <a:solidFill>
+                  <a:schemeClr val="tx1">
+                    <a:lumMod val="50000"/>
+                    <a:lumOff val="50000"/>
+                  </a:schemeClr>
+                </a:solidFill>
+              </a:ln>
+              <a:effectLst/>
+            </p:spPr>
+            <p:style>
+              <a:lnRef idx="2">
+                <a:schemeClr val="accent1">
+                  <a:shade val="50000"/>
+                </a:schemeClr>
+              </a:lnRef>
+              <a:fillRef idx="1">
+                <a:schemeClr val="accent1"/>
+              </a:fillRef>
+              <a:effectRef idx="0">
+                <a:schemeClr val="accent1"/>
+              </a:effectRef>
+              <a:fontRef idx="minor">
+                <a:schemeClr val="lt1"/>
+              </a:fontRef>
+            </p:style>
+            <p:txBody>
+              <a:bodyPr rtlCol="0" anchor="ctr"/>
+              <a:lstStyle/>
+              <a:p>
+                <a:pPr algn="ctr"/>
+                <a:endParaRPr lang="en-US"/>
+              </a:p>
+            </p:txBody>
+          </p:sp>
+          <p:sp>
+            <p:nvSpPr>
+              <p:cNvPr id="204" name="Can 203">
+                <a:extLst>
+                  <a:ext uri="{FF2B5EF4-FFF2-40B4-BE49-F238E27FC236}">
+                    <a16:creationId xmlns:a16="http://schemas.microsoft.com/office/drawing/2014/main" id="{F01F09E7-4D6E-1D43-9A1E-0566D16C5965}"/>
+                  </a:ext>
+                </a:extLst>
+              </p:cNvPr>
+              <p:cNvSpPr/>
+              <p:nvPr/>
+            </p:nvSpPr>
+            <p:spPr>
+              <a:xfrm>
+                <a:off x="1993271" y="4332506"/>
+                <a:ext cx="64008" cy="320040"/>
+              </a:xfrm>
+              <a:prstGeom prst="can">
+                <a:avLst/>
+              </a:prstGeom>
+              <a:solidFill>
+                <a:srgbClr val="E69E01"/>
+              </a:solidFill>
+              <a:ln>
+                <a:solidFill>
+                  <a:schemeClr val="tx1">
+                    <a:lumMod val="50000"/>
+                    <a:lumOff val="50000"/>
+                  </a:schemeClr>
+                </a:solidFill>
+              </a:ln>
+              <a:effectLst/>
+            </p:spPr>
+            <p:style>
+              <a:lnRef idx="2">
+                <a:schemeClr val="accent1">
+                  <a:shade val="50000"/>
+                </a:schemeClr>
+              </a:lnRef>
+              <a:fillRef idx="1">
+                <a:schemeClr val="accent1"/>
+              </a:fillRef>
+              <a:effectRef idx="0">
+                <a:schemeClr val="accent1"/>
+              </a:effectRef>
+              <a:fontRef idx="minor">
+                <a:schemeClr val="lt1"/>
+              </a:fontRef>
+            </p:style>
+            <p:txBody>
+              <a:bodyPr rtlCol="0" anchor="ctr"/>
+              <a:lstStyle/>
+              <a:p>
+                <a:pPr algn="ctr"/>
+                <a:endParaRPr lang="en-US"/>
+              </a:p>
+            </p:txBody>
+          </p:sp>
+          <p:sp>
+            <p:nvSpPr>
+              <p:cNvPr id="205" name="Can 204">
+                <a:extLst>
+                  <a:ext uri="{FF2B5EF4-FFF2-40B4-BE49-F238E27FC236}">
+                    <a16:creationId xmlns:a16="http://schemas.microsoft.com/office/drawing/2014/main" id="{6DFAC7CD-55BA-7D45-8C4F-C7CAC1AAA58A}"/>
+                  </a:ext>
+                </a:extLst>
+              </p:cNvPr>
+              <p:cNvSpPr/>
+              <p:nvPr/>
+            </p:nvSpPr>
+            <p:spPr>
+              <a:xfrm>
+                <a:off x="2087763" y="4332506"/>
+                <a:ext cx="64008" cy="320040"/>
+              </a:xfrm>
+              <a:prstGeom prst="can">
+                <a:avLst/>
+              </a:prstGeom>
+              <a:solidFill>
+                <a:srgbClr val="E69E01"/>
+              </a:solidFill>
+              <a:ln>
+                <a:solidFill>
+                  <a:schemeClr val="tx1">
+                    <a:lumMod val="50000"/>
+                    <a:lumOff val="50000"/>
+                  </a:schemeClr>
+                </a:solidFill>
+              </a:ln>
+              <a:effectLst/>
+            </p:spPr>
+            <p:style>
+              <a:lnRef idx="2">
+                <a:schemeClr val="accent1">
+                  <a:shade val="50000"/>
+                </a:schemeClr>
+              </a:lnRef>
+              <a:fillRef idx="1">
+                <a:schemeClr val="accent1"/>
+              </a:fillRef>
+              <a:effectRef idx="0">
+                <a:schemeClr val="accent1"/>
+              </a:effectRef>
+              <a:fontRef idx="minor">
+                <a:schemeClr val="lt1"/>
+              </a:fontRef>
+            </p:style>
+            <p:txBody>
+              <a:bodyPr rtlCol="0" anchor="ctr"/>
+              <a:lstStyle/>
+              <a:p>
+                <a:pPr algn="ctr"/>
+                <a:endParaRPr lang="en-US"/>
+              </a:p>
+            </p:txBody>
+          </p:sp>
+          <p:sp>
+            <p:nvSpPr>
+              <p:cNvPr id="206" name="Can 205">
+                <a:extLst>
+                  <a:ext uri="{FF2B5EF4-FFF2-40B4-BE49-F238E27FC236}">
+                    <a16:creationId xmlns:a16="http://schemas.microsoft.com/office/drawing/2014/main" id="{C86932C4-444E-3744-977C-3A799BF4E810}"/>
+                  </a:ext>
+                </a:extLst>
+              </p:cNvPr>
+              <p:cNvSpPr/>
+              <p:nvPr/>
+            </p:nvSpPr>
+            <p:spPr>
+              <a:xfrm>
+                <a:off x="1993271" y="4716376"/>
+                <a:ext cx="64008" cy="320040"/>
+              </a:xfrm>
+              <a:prstGeom prst="can">
+                <a:avLst/>
+              </a:prstGeom>
+              <a:solidFill>
+                <a:srgbClr val="55B4EA"/>
+              </a:solidFill>
+              <a:ln>
+                <a:solidFill>
+                  <a:schemeClr val="tx1">
+                    <a:lumMod val="50000"/>
+                    <a:lumOff val="50000"/>
+                  </a:schemeClr>
+                </a:solidFill>
+              </a:ln>
+              <a:effectLst/>
+            </p:spPr>
+            <p:style>
+              <a:lnRef idx="2">
+                <a:schemeClr val="accent1">
+                  <a:shade val="50000"/>
+                </a:schemeClr>
+              </a:lnRef>
+              <a:fillRef idx="1">
+                <a:schemeClr val="accent1"/>
+              </a:fillRef>
+              <a:effectRef idx="0">
+                <a:schemeClr val="accent1"/>
+              </a:effectRef>
+              <a:fontRef idx="minor">
+                <a:schemeClr val="lt1"/>
+              </a:fontRef>
+            </p:style>
+            <p:txBody>
+              <a:bodyPr rtlCol="0" anchor="ctr"/>
+              <a:lstStyle/>
+              <a:p>
+                <a:pPr algn="ctr"/>
+                <a:endParaRPr lang="en-US"/>
+              </a:p>
+            </p:txBody>
+          </p:sp>
+          <p:sp>
+            <p:nvSpPr>
+              <p:cNvPr id="207" name="Can 206">
+                <a:extLst>
+                  <a:ext uri="{FF2B5EF4-FFF2-40B4-BE49-F238E27FC236}">
+                    <a16:creationId xmlns:a16="http://schemas.microsoft.com/office/drawing/2014/main" id="{11472E7F-256E-B949-B1A0-0239BD49F284}"/>
+                  </a:ext>
+                </a:extLst>
+              </p:cNvPr>
+              <p:cNvSpPr/>
+              <p:nvPr/>
+            </p:nvSpPr>
+            <p:spPr>
+              <a:xfrm>
+                <a:off x="2087763" y="4716376"/>
+                <a:ext cx="64008" cy="320040"/>
+              </a:xfrm>
+              <a:prstGeom prst="can">
+                <a:avLst/>
+              </a:prstGeom>
+              <a:solidFill>
+                <a:srgbClr val="55B4EA"/>
+              </a:solidFill>
+              <a:ln>
+                <a:solidFill>
+                  <a:schemeClr val="tx1">
+                    <a:lumMod val="50000"/>
+                    <a:lumOff val="50000"/>
+                  </a:schemeClr>
+                </a:solidFill>
+              </a:ln>
+              <a:effectLst/>
+            </p:spPr>
+            <p:style>
+              <a:lnRef idx="2">
+                <a:schemeClr val="accent1">
+                  <a:shade val="50000"/>
+                </a:schemeClr>
+              </a:lnRef>
+              <a:fillRef idx="1">
+                <a:schemeClr val="accent1"/>
+              </a:fillRef>
+              <a:effectRef idx="0">
+                <a:schemeClr val="accent1"/>
+              </a:effectRef>
+              <a:fontRef idx="minor">
+                <a:schemeClr val="lt1"/>
+              </a:fontRef>
+            </p:style>
+            <p:txBody>
+              <a:bodyPr rtlCol="0" anchor="ctr"/>
+              <a:lstStyle/>
+              <a:p>
+                <a:pPr algn="ctr"/>
+                <a:endParaRPr lang="en-US"/>
+              </a:p>
+            </p:txBody>
+          </p:sp>
+        </p:grpSp>
+      </p:grpSp>
+      <p:pic>
+        <p:nvPicPr>
+          <p:cNvPr id="210" name="Picture 209" descr="figure1.pdf">
+            <a:extLst>
+              <a:ext uri="{FF2B5EF4-FFF2-40B4-BE49-F238E27FC236}">
+                <a16:creationId xmlns:a16="http://schemas.microsoft.com/office/drawing/2014/main" id="{EDEC5C4D-FBAB-CF46-B7F1-7E2B86D14E80}"/>
+              </a:ext>
+            </a:extLst>
+          </p:cNvPr>
+          <p:cNvPicPr>
+            <a:picLocks noChangeAspect="1"/>
+          </p:cNvPicPr>
+          <p:nvPr/>
+        </p:nvPicPr>
+        <p:blipFill rotWithShape="1">
+          <a:blip r:embed="rId2"/>
+          <a:srcRect l="41202" t="58250" r="37951" b="6775"/>
+          <a:stretch/>
+        </p:blipFill>
+        <p:spPr>
+          <a:xfrm rot="16200000">
+            <a:off x="2276520" y="2452550"/>
+            <a:ext cx="592418" cy="716205"/>
+          </a:xfrm>
+          <a:prstGeom prst="rect">
+            <a:avLst/>
+          </a:prstGeom>
+        </p:spPr>
+      </p:pic>
+      <p:sp>
+        <p:nvSpPr>
+          <p:cNvPr id="211" name="TextBox 210">
+            <a:extLst>
+              <a:ext uri="{FF2B5EF4-FFF2-40B4-BE49-F238E27FC236}">
+                <a16:creationId xmlns:a16="http://schemas.microsoft.com/office/drawing/2014/main" id="{84836A0B-A6D9-3B42-9D01-04D804F8EA26}"/>
+              </a:ext>
+            </a:extLst>
+          </p:cNvPr>
+          <p:cNvSpPr txBox="1"/>
+          <p:nvPr/>
+        </p:nvSpPr>
+        <p:spPr>
+          <a:xfrm>
+            <a:off x="1193333" y="2675029"/>
+            <a:ext cx="1235152" cy="246221"/>
+          </a:xfrm>
+          <a:prstGeom prst="rect">
+            <a:avLst/>
+          </a:prstGeom>
+          <a:noFill/>
+        </p:spPr>
+        <p:txBody>
+          <a:bodyPr wrap="square" rtlCol="0">
+            <a:spAutoFit/>
+          </a:bodyPr>
+          <a:lstStyle/>
+          <a:p>
+            <a:r>
+              <a:rPr lang="en-US" sz="1000" dirty="0">
+                <a:latin typeface="Arial" panose="020B0604020202020204" pitchFamily="34" charset="0"/>
+                <a:ea typeface="Arial" charset="0"/>
+                <a:cs typeface="Arial" panose="020B0604020202020204" pitchFamily="34" charset="0"/>
+              </a:rPr>
+              <a:t>Base Population</a:t>
+            </a:r>
+          </a:p>
+        </p:txBody>
+      </p:sp>
+      <p:pic>
+        <p:nvPicPr>
+          <p:cNvPr id="212" name="Picture 211" descr="figure1.pdf">
+            <a:extLst>
+              <a:ext uri="{FF2B5EF4-FFF2-40B4-BE49-F238E27FC236}">
+                <a16:creationId xmlns:a16="http://schemas.microsoft.com/office/drawing/2014/main" id="{3A090E43-2423-4541-9F9F-269533E6C0B0}"/>
+              </a:ext>
+            </a:extLst>
+          </p:cNvPr>
+          <p:cNvPicPr>
+            <a:picLocks noChangeAspect="1"/>
+          </p:cNvPicPr>
+          <p:nvPr/>
+        </p:nvPicPr>
+        <p:blipFill rotWithShape="1">
+          <a:blip r:embed="rId2"/>
+          <a:srcRect l="77251" t="58250" b="6624"/>
+          <a:stretch/>
+        </p:blipFill>
+        <p:spPr>
+          <a:xfrm rot="5400000">
+            <a:off x="2298256" y="1418423"/>
+            <a:ext cx="640080" cy="712207"/>
+          </a:xfrm>
+          <a:prstGeom prst="rect">
+            <a:avLst/>
+          </a:prstGeom>
+        </p:spPr>
+      </p:pic>
+      <p:sp>
+        <p:nvSpPr>
+          <p:cNvPr id="213" name="TextBox 212">
+            <a:extLst>
+              <a:ext uri="{FF2B5EF4-FFF2-40B4-BE49-F238E27FC236}">
+                <a16:creationId xmlns:a16="http://schemas.microsoft.com/office/drawing/2014/main" id="{1414CEAE-2CAE-D74C-BAF0-070EA67DD149}"/>
+              </a:ext>
+            </a:extLst>
+          </p:cNvPr>
+          <p:cNvSpPr txBox="1"/>
+          <p:nvPr/>
+        </p:nvSpPr>
+        <p:spPr>
+          <a:xfrm>
+            <a:off x="1399562" y="1613494"/>
+            <a:ext cx="872194" cy="246221"/>
+          </a:xfrm>
+          <a:prstGeom prst="rect">
+            <a:avLst/>
+          </a:prstGeom>
+          <a:noFill/>
+        </p:spPr>
+        <p:txBody>
+          <a:bodyPr wrap="square" rtlCol="0">
+            <a:spAutoFit/>
+          </a:bodyPr>
+          <a:lstStyle/>
+          <a:p>
+            <a:pPr algn="ctr"/>
+            <a:r>
+              <a:rPr lang="en-US" sz="1000" dirty="0">
+                <a:latin typeface="Arial" panose="020B0604020202020204" pitchFamily="34" charset="0"/>
+                <a:ea typeface="Arial" charset="0"/>
+                <a:cs typeface="Arial" panose="020B0604020202020204" pitchFamily="34" charset="0"/>
+              </a:rPr>
+              <a:t>DSPR RILs</a:t>
+            </a:r>
+          </a:p>
+        </p:txBody>
+      </p:sp>
+      <p:sp>
+        <p:nvSpPr>
+          <p:cNvPr id="214" name="TextBox 213">
+            <a:extLst>
+              <a:ext uri="{FF2B5EF4-FFF2-40B4-BE49-F238E27FC236}">
+                <a16:creationId xmlns:a16="http://schemas.microsoft.com/office/drawing/2014/main" id="{09749B16-0B32-234F-9646-49F19CE9C37A}"/>
+              </a:ext>
+            </a:extLst>
+          </p:cNvPr>
+          <p:cNvSpPr txBox="1"/>
+          <p:nvPr/>
+        </p:nvSpPr>
+        <p:spPr>
+          <a:xfrm>
+            <a:off x="2444441" y="2181395"/>
+            <a:ext cx="486391" cy="246221"/>
+          </a:xfrm>
+          <a:prstGeom prst="rect">
+            <a:avLst/>
+          </a:prstGeom>
+          <a:noFill/>
+        </p:spPr>
+        <p:txBody>
+          <a:bodyPr wrap="square" rtlCol="0">
+            <a:spAutoFit/>
+          </a:bodyPr>
+          <a:lstStyle/>
+          <a:p>
+            <a:r>
+              <a:rPr lang="en-US" sz="1000" dirty="0">
+                <a:latin typeface="Arial" panose="020B0604020202020204" pitchFamily="34" charset="0"/>
+                <a:cs typeface="Arial" panose="020B0604020202020204" pitchFamily="34" charset="0"/>
+              </a:rPr>
+              <a:t>5G</a:t>
+            </a:r>
+          </a:p>
+        </p:txBody>
+      </p:sp>
+      <p:pic>
+        <p:nvPicPr>
+          <p:cNvPr id="215" name="Picture 2" descr="mage result for circle arrows">
+            <a:extLst>
+              <a:ext uri="{FF2B5EF4-FFF2-40B4-BE49-F238E27FC236}">
+                <a16:creationId xmlns:a16="http://schemas.microsoft.com/office/drawing/2014/main" id="{984B4383-85D6-784B-809E-9A01927DAE88}"/>
+              </a:ext>
+            </a:extLst>
+          </p:cNvPr>
+          <p:cNvPicPr>
+            <a:picLocks noChangeAspect="1" noChangeArrowheads="1"/>
+          </p:cNvPicPr>
+          <p:nvPr/>
+        </p:nvPicPr>
+        <p:blipFill>
+          <a:blip r:embed="rId3">
+            <a:extLst>
+              <a:ext uri="{28A0092B-C50C-407E-A947-70E740481C1C}">
+                <a14:useLocalDpi xmlns:a14="http://schemas.microsoft.com/office/drawing/2010/main" val="0"/>
+              </a:ext>
+            </a:extLst>
+          </a:blip>
+          <a:srcRect/>
+          <a:stretch>
+            <a:fillRect/>
+          </a:stretch>
+        </p:blipFill>
+        <p:spPr bwMode="auto">
+          <a:xfrm>
+            <a:off x="2446444" y="2113604"/>
+            <a:ext cx="342926" cy="365760"/>
+          </a:xfrm>
+          <a:prstGeom prst="rect">
+            <a:avLst/>
+          </a:prstGeom>
+          <a:noFill/>
+          <a:extLst>
+            <a:ext uri="{909E8E84-426E-40DD-AFC4-6F175D3DCCD1}">
+              <a14:hiddenFill xmlns:a14="http://schemas.microsoft.com/office/drawing/2010/main">
+                <a:solidFill>
+                  <a:srgbClr val="FFFFFF"/>
+                </a:solidFill>
+              </a14:hiddenFill>
+            </a:ext>
+          </a:extLst>
+        </p:spPr>
+      </p:pic>
+      <p:sp>
+        <p:nvSpPr>
+          <p:cNvPr id="39" name="Right Brace 38">
+            <a:extLst>
+              <a:ext uri="{FF2B5EF4-FFF2-40B4-BE49-F238E27FC236}">
+                <a16:creationId xmlns:a16="http://schemas.microsoft.com/office/drawing/2014/main" id="{18446724-A425-E74E-B9FE-0A9EF9F9D358}"/>
+              </a:ext>
+            </a:extLst>
+          </p:cNvPr>
+          <p:cNvSpPr/>
+          <p:nvPr/>
+        </p:nvSpPr>
+        <p:spPr>
+          <a:xfrm rot="5400000">
+            <a:off x="2458357" y="2776483"/>
+            <a:ext cx="218791" cy="822960"/>
+          </a:xfrm>
+          <a:prstGeom prst="rightBrace">
+            <a:avLst/>
+          </a:prstGeom>
+          <a:ln w="19050">
+            <a:solidFill>
+              <a:schemeClr val="tx1"/>
+            </a:solidFill>
+          </a:ln>
+        </p:spPr>
+        <p:style>
+          <a:lnRef idx="1">
+            <a:schemeClr val="accent1"/>
+          </a:lnRef>
+          <a:fillRef idx="0">
+            <a:schemeClr val="accent1"/>
+          </a:fillRef>
+          <a:effectRef idx="0">
+            <a:schemeClr val="accent1"/>
+          </a:effectRef>
+          <a:fontRef idx="minor">
+            <a:schemeClr val="tx1"/>
+          </a:fontRef>
+        </p:style>
+        <p:txBody>
+          <a:bodyPr rtlCol="0" anchor="ctr"/>
+          <a:lstStyle/>
+          <a:p>
+            <a:pPr algn="ctr"/>
+            <a:endParaRPr lang="en-US"/>
+          </a:p>
+        </p:txBody>
+      </p:sp>
+      <p:cxnSp>
+        <p:nvCxnSpPr>
+          <p:cNvPr id="216" name="Straight Connector 215">
+            <a:extLst>
+              <a:ext uri="{FF2B5EF4-FFF2-40B4-BE49-F238E27FC236}">
+                <a16:creationId xmlns:a16="http://schemas.microsoft.com/office/drawing/2014/main" id="{D4AA4CC0-494E-B048-9B6F-F1F9EDD3B261}"/>
+              </a:ext>
+            </a:extLst>
+          </p:cNvPr>
+          <p:cNvCxnSpPr>
+            <a:cxnSpLocks/>
+          </p:cNvCxnSpPr>
+          <p:nvPr/>
+        </p:nvCxnSpPr>
+        <p:spPr>
+          <a:xfrm>
+            <a:off x="2570902" y="3359375"/>
+            <a:ext cx="0" cy="251244"/>
+          </a:xfrm>
+          <a:prstGeom prst="line">
+            <a:avLst/>
+          </a:prstGeom>
+          <a:ln w="19050">
+            <a:solidFill>
+              <a:schemeClr val="tx1">
+                <a:lumMod val="65000"/>
+                <a:lumOff val="35000"/>
+              </a:schemeClr>
+            </a:solidFill>
+            <a:tailEnd type="stealth" w="lg" len="lg"/>
+          </a:ln>
+        </p:spPr>
+        <p:style>
+          <a:lnRef idx="1">
+            <a:schemeClr val="dk1"/>
+          </a:lnRef>
+          <a:fillRef idx="0">
+            <a:schemeClr val="dk1"/>
+          </a:fillRef>
+          <a:effectRef idx="0">
+            <a:schemeClr val="dk1"/>
+          </a:effectRef>
+          <a:fontRef idx="minor">
+            <a:schemeClr val="tx1"/>
+          </a:fontRef>
+        </p:style>
+      </p:cxnSp>
+      <p:sp>
+        <p:nvSpPr>
+          <p:cNvPr id="217" name="TextBox 216">
+            <a:extLst>
+              <a:ext uri="{FF2B5EF4-FFF2-40B4-BE49-F238E27FC236}">
+                <a16:creationId xmlns:a16="http://schemas.microsoft.com/office/drawing/2014/main" id="{2926C683-D2DD-ED45-B4F3-DAB528268A3B}"/>
+              </a:ext>
+            </a:extLst>
+          </p:cNvPr>
+          <p:cNvSpPr txBox="1"/>
+          <p:nvPr/>
+        </p:nvSpPr>
+        <p:spPr>
+          <a:xfrm>
+            <a:off x="3975160" y="5059472"/>
+            <a:ext cx="534296" cy="1179490"/>
+          </a:xfrm>
+          <a:prstGeom prst="rect">
+            <a:avLst/>
+          </a:prstGeom>
+          <a:noFill/>
+        </p:spPr>
+        <p:txBody>
+          <a:bodyPr wrap="square" rtlCol="0">
+            <a:spAutoFit/>
+          </a:bodyPr>
+          <a:lstStyle/>
+          <a:p>
+            <a:pPr algn="ctr"/>
+            <a:r>
+              <a:rPr lang="en-US" sz="1000" dirty="0">
+                <a:latin typeface="Arial" panose="020B0604020202020204" pitchFamily="34" charset="0"/>
+                <a:ea typeface="Arial" charset="0"/>
+                <a:cs typeface="Arial" panose="020B0604020202020204" pitchFamily="34" charset="0"/>
+              </a:rPr>
+              <a:t>Diets</a:t>
+            </a:r>
+          </a:p>
+          <a:p>
+            <a:pPr algn="ctr">
+              <a:lnSpc>
+                <a:spcPct val="150000"/>
+              </a:lnSpc>
+            </a:pPr>
+            <a:r>
+              <a:rPr lang="en-US" sz="1000" b="1" dirty="0">
+                <a:solidFill>
+                  <a:srgbClr val="999999"/>
+                </a:solidFill>
+                <a:latin typeface="Arial" panose="020B0604020202020204" pitchFamily="34" charset="0"/>
+                <a:ea typeface="Arial" charset="0"/>
+                <a:cs typeface="Arial" panose="020B0604020202020204" pitchFamily="34" charset="0"/>
+              </a:rPr>
+              <a:t>C</a:t>
+            </a:r>
+          </a:p>
+          <a:p>
+            <a:pPr algn="ctr">
+              <a:lnSpc>
+                <a:spcPts val="3000"/>
+              </a:lnSpc>
+            </a:pPr>
+            <a:r>
+              <a:rPr lang="en-US" sz="1000" b="1" dirty="0">
+                <a:solidFill>
+                  <a:srgbClr val="E69E01"/>
+                </a:solidFill>
+                <a:latin typeface="Arial" panose="020B0604020202020204" pitchFamily="34" charset="0"/>
+                <a:ea typeface="Arial" charset="0"/>
+                <a:cs typeface="Arial" panose="020B0604020202020204" pitchFamily="34" charset="0"/>
+              </a:rPr>
+              <a:t>DR</a:t>
+            </a:r>
+          </a:p>
+          <a:p>
+            <a:pPr algn="ctr">
+              <a:lnSpc>
+                <a:spcPts val="3000"/>
+              </a:lnSpc>
+            </a:pPr>
+            <a:r>
+              <a:rPr lang="en-US" sz="1000" b="1" dirty="0">
+                <a:solidFill>
+                  <a:srgbClr val="55B4EA"/>
+                </a:solidFill>
+                <a:latin typeface="Arial" panose="020B0604020202020204" pitchFamily="34" charset="0"/>
+                <a:ea typeface="Arial" charset="0"/>
+                <a:cs typeface="Arial" panose="020B0604020202020204" pitchFamily="34" charset="0"/>
+              </a:rPr>
+              <a:t>HS</a:t>
+            </a:r>
+          </a:p>
+        </p:txBody>
+      </p:sp>
+      <p:sp>
+        <p:nvSpPr>
+          <p:cNvPr id="97" name="TextBox 96">
+            <a:extLst>
+              <a:ext uri="{FF2B5EF4-FFF2-40B4-BE49-F238E27FC236}">
+                <a16:creationId xmlns:a16="http://schemas.microsoft.com/office/drawing/2014/main" id="{B1275C12-AEA4-9C4C-8CB4-5CF0B86E9BCA}"/>
+              </a:ext>
+            </a:extLst>
+          </p:cNvPr>
+          <p:cNvSpPr txBox="1"/>
+          <p:nvPr/>
+        </p:nvSpPr>
+        <p:spPr>
+          <a:xfrm>
+            <a:off x="1000035" y="6238962"/>
+            <a:ext cx="3411709" cy="246221"/>
+          </a:xfrm>
+          <a:prstGeom prst="rect">
+            <a:avLst/>
+          </a:prstGeom>
+          <a:noFill/>
+        </p:spPr>
+        <p:txBody>
+          <a:bodyPr wrap="square" rtlCol="0">
+            <a:spAutoFit/>
+          </a:bodyPr>
+          <a:lstStyle/>
+          <a:p>
+            <a:r>
+              <a:rPr lang="en-US" sz="1000" dirty="0">
+                <a:latin typeface="Arial" panose="020B0604020202020204" pitchFamily="34" charset="0"/>
+                <a:ea typeface="Arial" charset="0"/>
+                <a:cs typeface="Arial" panose="020B0604020202020204" pitchFamily="34" charset="0"/>
+              </a:rPr>
+              <a:t>a b   a b   a b         a b   a b   a b          a b   a b   a b</a:t>
+            </a:r>
+          </a:p>
+        </p:txBody>
+      </p:sp>
+      <p:sp>
+        <p:nvSpPr>
+          <p:cNvPr id="2" name="Rectangle 1">
+            <a:extLst>
+              <a:ext uri="{FF2B5EF4-FFF2-40B4-BE49-F238E27FC236}">
+                <a16:creationId xmlns:a16="http://schemas.microsoft.com/office/drawing/2014/main" id="{3A294788-166C-D045-9E51-33989C8AD04F}"/>
+              </a:ext>
+            </a:extLst>
+          </p:cNvPr>
+          <p:cNvSpPr/>
+          <p:nvPr/>
+        </p:nvSpPr>
+        <p:spPr>
+          <a:xfrm>
+            <a:off x="285063" y="6238216"/>
+            <a:ext cx="1029557" cy="246221"/>
+          </a:xfrm>
+          <a:prstGeom prst="rect">
+            <a:avLst/>
+          </a:prstGeom>
+        </p:spPr>
+        <p:txBody>
+          <a:bodyPr wrap="square">
+            <a:spAutoFit/>
+          </a:bodyPr>
+          <a:lstStyle/>
+          <a:p>
+            <a:r>
+              <a:rPr lang="en-US" sz="1000" dirty="0">
+                <a:latin typeface="Arial" panose="020B0604020202020204" pitchFamily="34" charset="0"/>
+                <a:ea typeface="Arial" charset="0"/>
+                <a:cs typeface="Arial" panose="020B0604020202020204" pitchFamily="34" charset="0"/>
+              </a:rPr>
+              <a:t>Replicates</a:t>
+            </a:r>
+            <a:endParaRPr lang="en-US" sz="1000" dirty="0"/>
+          </a:p>
+        </p:txBody>
+      </p:sp>
+      <p:sp>
+        <p:nvSpPr>
+          <p:cNvPr id="102" name="Rectangle 101">
+            <a:extLst>
+              <a:ext uri="{FF2B5EF4-FFF2-40B4-BE49-F238E27FC236}">
+                <a16:creationId xmlns:a16="http://schemas.microsoft.com/office/drawing/2014/main" id="{717F04B2-4414-FE4B-8FC6-B8AE11B6C99F}"/>
+              </a:ext>
+            </a:extLst>
+          </p:cNvPr>
+          <p:cNvSpPr/>
+          <p:nvPr/>
+        </p:nvSpPr>
+        <p:spPr>
+          <a:xfrm>
+            <a:off x="970500" y="4422019"/>
+            <a:ext cx="560457" cy="246221"/>
+          </a:xfrm>
+          <a:prstGeom prst="rect">
+            <a:avLst/>
+          </a:prstGeom>
+        </p:spPr>
+        <p:txBody>
+          <a:bodyPr wrap="square">
+            <a:spAutoFit/>
+          </a:bodyPr>
+          <a:lstStyle/>
+          <a:p>
+            <a:r>
+              <a:rPr lang="en-US" sz="1000" dirty="0">
+                <a:latin typeface="Arial" panose="020B0604020202020204" pitchFamily="34" charset="0"/>
+                <a:ea typeface="Arial" charset="0"/>
+                <a:cs typeface="Arial" panose="020B0604020202020204" pitchFamily="34" charset="0"/>
+              </a:rPr>
+              <a:t>Dams</a:t>
+            </a:r>
+            <a:endParaRPr lang="en-US" sz="1000" dirty="0"/>
+          </a:p>
+        </p:txBody>
+      </p:sp>
+      <p:sp>
+        <p:nvSpPr>
+          <p:cNvPr id="103" name="Rectangle 102">
+            <a:extLst>
+              <a:ext uri="{FF2B5EF4-FFF2-40B4-BE49-F238E27FC236}">
+                <a16:creationId xmlns:a16="http://schemas.microsoft.com/office/drawing/2014/main" id="{C59819EE-E46D-D148-9DF3-D50DF917F9C8}"/>
+              </a:ext>
+            </a:extLst>
+          </p:cNvPr>
+          <p:cNvSpPr/>
+          <p:nvPr/>
+        </p:nvSpPr>
+        <p:spPr>
+          <a:xfrm>
+            <a:off x="1473791" y="3622680"/>
+            <a:ext cx="560457" cy="246221"/>
+          </a:xfrm>
+          <a:prstGeom prst="rect">
+            <a:avLst/>
+          </a:prstGeom>
+        </p:spPr>
+        <p:txBody>
+          <a:bodyPr wrap="square">
+            <a:spAutoFit/>
+          </a:bodyPr>
+          <a:lstStyle/>
+          <a:p>
+            <a:r>
+              <a:rPr lang="en-US" sz="1000" dirty="0">
+                <a:latin typeface="Arial" panose="020B0604020202020204" pitchFamily="34" charset="0"/>
+                <a:ea typeface="Arial" charset="0"/>
+                <a:cs typeface="Arial" panose="020B0604020202020204" pitchFamily="34" charset="0"/>
+              </a:rPr>
+              <a:t>Sires</a:t>
+            </a:r>
+            <a:endParaRPr lang="en-US" sz="1000" dirty="0"/>
+          </a:p>
+        </p:txBody>
+      </p:sp>
+      <p:sp>
+        <p:nvSpPr>
+          <p:cNvPr id="105" name="Rectangle 104">
+            <a:extLst>
+              <a:ext uri="{FF2B5EF4-FFF2-40B4-BE49-F238E27FC236}">
+                <a16:creationId xmlns:a16="http://schemas.microsoft.com/office/drawing/2014/main" id="{3FD2DE06-2C2C-0A4D-8F61-04A90DD36F0F}"/>
+              </a:ext>
+            </a:extLst>
+          </p:cNvPr>
+          <p:cNvSpPr/>
+          <p:nvPr/>
+        </p:nvSpPr>
+        <p:spPr>
+          <a:xfrm>
+            <a:off x="255973" y="5495164"/>
+            <a:ext cx="740978" cy="400110"/>
+          </a:xfrm>
+          <a:prstGeom prst="rect">
+            <a:avLst/>
+          </a:prstGeom>
+        </p:spPr>
+        <p:txBody>
+          <a:bodyPr wrap="square">
+            <a:spAutoFit/>
+          </a:bodyPr>
+          <a:lstStyle/>
+          <a:p>
+            <a:pPr algn="ctr"/>
+            <a:r>
+              <a:rPr lang="en-US" sz="1000" dirty="0">
+                <a:latin typeface="Arial" panose="020B0604020202020204" pitchFamily="34" charset="0"/>
+                <a:ea typeface="Arial" charset="0"/>
+                <a:cs typeface="Arial" panose="020B0604020202020204" pitchFamily="34" charset="0"/>
+              </a:rPr>
+              <a:t>Offspring Vials</a:t>
+            </a:r>
+            <a:endParaRPr lang="en-US" sz="1000" dirty="0"/>
+          </a:p>
+        </p:txBody>
+      </p:sp>
+      <p:sp>
+        <p:nvSpPr>
+          <p:cNvPr id="107" name="Right Brace 106">
+            <a:extLst>
+              <a:ext uri="{FF2B5EF4-FFF2-40B4-BE49-F238E27FC236}">
+                <a16:creationId xmlns:a16="http://schemas.microsoft.com/office/drawing/2014/main" id="{8C49C1F2-E478-884A-BBD2-64FEEA84DA86}"/>
+              </a:ext>
+            </a:extLst>
+          </p:cNvPr>
+          <p:cNvSpPr/>
+          <p:nvPr/>
+        </p:nvSpPr>
+        <p:spPr>
+          <a:xfrm rot="10800000">
+            <a:off x="923169" y="5115640"/>
+            <a:ext cx="212375" cy="1188720"/>
+          </a:xfrm>
+          <a:prstGeom prst="rightBrace">
+            <a:avLst/>
+          </a:prstGeom>
+          <a:ln w="19050">
+            <a:solidFill>
+              <a:schemeClr val="tx1"/>
+            </a:solidFill>
+          </a:ln>
+        </p:spPr>
+        <p:style>
+          <a:lnRef idx="1">
+            <a:schemeClr val="accent1"/>
+          </a:lnRef>
+          <a:fillRef idx="0">
+            <a:schemeClr val="accent1"/>
+          </a:fillRef>
+          <a:effectRef idx="0">
+            <a:schemeClr val="accent1"/>
+          </a:effectRef>
+          <a:fontRef idx="minor">
+            <a:schemeClr val="tx1"/>
+          </a:fontRef>
+        </p:style>
+        <p:txBody>
+          <a:bodyPr rtlCol="0" anchor="ctr"/>
+          <a:lstStyle/>
+          <a:p>
+            <a:pPr algn="ctr"/>
+            <a:endParaRPr lang="en-US"/>
+          </a:p>
+        </p:txBody>
+      </p:sp>
+    </p:spTree>
+    <p:extLst>
+      <p:ext uri="{BB962C8B-B14F-4D97-AF65-F5344CB8AC3E}">
+        <p14:creationId xmlns:p14="http://schemas.microsoft.com/office/powerpoint/2010/main" val="3128443446"/>
+      </p:ext>
+    </p:extLst>
+  </p:cSld>
+  <p:clrMapOvr>
+    <a:masterClrMapping/>
+  </p:clrMapOvr>
+</p:sld>
+</file>
+
 <file path=ppt/theme/theme1.xml><?xml version="1.0" encoding="utf-8"?>
 <a:theme xmlns:a="http://schemas.openxmlformats.org/drawingml/2006/main" name="Office Theme">
   <a:themeElements>
